--- a/doc/OPC12-Présentation.pptx
+++ b/doc/OPC12-Présentation.pptx
@@ -5,16 +5,20 @@
     <p:sldMasterId id="2147484108" r:id="rId1"/>
   </p:sldMasterIdLst>
   <p:notesMasterIdLst>
-    <p:notesMasterId r:id="rId9"/>
+    <p:notesMasterId r:id="rId13"/>
   </p:notesMasterIdLst>
   <p:sldIdLst>
     <p:sldId id="665" r:id="rId2"/>
-    <p:sldId id="671" r:id="rId3"/>
-    <p:sldId id="672" r:id="rId4"/>
-    <p:sldId id="674" r:id="rId5"/>
-    <p:sldId id="693" r:id="rId6"/>
-    <p:sldId id="692" r:id="rId7"/>
-    <p:sldId id="694" r:id="rId8"/>
+    <p:sldId id="696" r:id="rId3"/>
+    <p:sldId id="671" r:id="rId4"/>
+    <p:sldId id="672" r:id="rId5"/>
+    <p:sldId id="674" r:id="rId6"/>
+    <p:sldId id="693" r:id="rId7"/>
+    <p:sldId id="692" r:id="rId8"/>
+    <p:sldId id="694" r:id="rId9"/>
+    <p:sldId id="695" r:id="rId10"/>
+    <p:sldId id="698" r:id="rId11"/>
+    <p:sldId id="697" r:id="rId12"/>
   </p:sldIdLst>
   <p:sldSz cx="24377650" cy="13716000"/>
   <p:notesSz cx="6858000" cy="9144000"/>
@@ -115,7 +119,7 @@
   </p:defaultTextStyle>
   <p:extLst>
     <p:ext uri="{EFAFB233-063F-42B5-8137-9DF3F51BA10A}">
-      <p15:sldGuideLst xmlns:p15="http://schemas.microsoft.com/office/powerpoint/2012/main" xmlns="">
+      <p15:sldGuideLst xmlns="" xmlns:p15="http://schemas.microsoft.com/office/powerpoint/2012/main">
         <p15:guide id="1" orient="horz" pos="8112" userDrawn="1">
           <p15:clr>
             <a:srgbClr val="A4A3A4"/>
@@ -149,7 +153,7 @@
       </p15:sldGuideLst>
     </p:ext>
     <p:ext uri="{2D200454-40CA-4A62-9FC3-DE9A4176ACB9}">
-      <p15:notesGuideLst xmlns:p15="http://schemas.microsoft.com/office/powerpoint/2012/main" xmlns=""/>
+      <p15:notesGuideLst xmlns="" xmlns:p15="http://schemas.microsoft.com/office/powerpoint/2012/main"/>
     </p:ext>
   </p:extLst>
 </p:presentation>
@@ -771,7 +775,7 @@
     </p:spTree>
     <p:extLst>
       <p:ext uri="{BB962C8B-B14F-4D97-AF65-F5344CB8AC3E}">
-        <p14:creationId xmlns:p14="http://schemas.microsoft.com/office/powerpoint/2010/main" val="596128674"/>
+        <p14:creationId xmlns:p14="http://schemas.microsoft.com/office/powerpoint/2010/main" val="3782414567"/>
       </p:ext>
     </p:extLst>
   </p:cSld>
@@ -852,6 +856,95 @@
             <a:fld id="{0ED8A9B0-80EF-A34D-B345-E2DEC5501E01}" type="slidenum">
               <a:rPr lang="en-US" smtClean="0"/>
               <a:t>4</a:t>
+            </a:fld>
+            <a:endParaRPr lang="en-US"/>
+          </a:p>
+        </p:txBody>
+      </p:sp>
+    </p:spTree>
+    <p:extLst>
+      <p:ext uri="{BB962C8B-B14F-4D97-AF65-F5344CB8AC3E}">
+        <p14:creationId xmlns:p14="http://schemas.microsoft.com/office/powerpoint/2010/main" val="596128674"/>
+      </p:ext>
+    </p:extLst>
+  </p:cSld>
+  <p:clrMapOvr>
+    <a:masterClrMapping/>
+  </p:clrMapOvr>
+</p:notes>
+</file>
+
+<file path=ppt/notesSlides/notesSlide5.xml><?xml version="1.0" encoding="utf-8"?>
+<p:notes xmlns:a="http://schemas.openxmlformats.org/drawingml/2006/main" xmlns:r="http://schemas.openxmlformats.org/officeDocument/2006/relationships" xmlns:p="http://schemas.openxmlformats.org/presentationml/2006/main">
+  <p:cSld>
+    <p:spTree>
+      <p:nvGrpSpPr>
+        <p:cNvPr id="1" name=""/>
+        <p:cNvGrpSpPr/>
+        <p:nvPr/>
+      </p:nvGrpSpPr>
+      <p:grpSpPr>
+        <a:xfrm>
+          <a:off x="0" y="0"/>
+          <a:ext cx="0" cy="0"/>
+          <a:chOff x="0" y="0"/>
+          <a:chExt cx="0" cy="0"/>
+        </a:xfrm>
+      </p:grpSpPr>
+      <p:sp>
+        <p:nvSpPr>
+          <p:cNvPr id="2" name="Slide Image Placeholder 1"/>
+          <p:cNvSpPr>
+            <a:spLocks noGrp="1" noRot="1" noChangeAspect="1"/>
+          </p:cNvSpPr>
+          <p:nvPr>
+            <p:ph type="sldImg"/>
+          </p:nvPr>
+        </p:nvSpPr>
+        <p:spPr>
+          <a:xfrm>
+            <a:off x="382588" y="685800"/>
+            <a:ext cx="6092825" cy="3429000"/>
+          </a:xfrm>
+        </p:spPr>
+      </p:sp>
+      <p:sp>
+        <p:nvSpPr>
+          <p:cNvPr id="3" name="Notes Placeholder 2"/>
+          <p:cNvSpPr>
+            <a:spLocks noGrp="1"/>
+          </p:cNvSpPr>
+          <p:nvPr>
+            <p:ph type="body" idx="1"/>
+          </p:nvPr>
+        </p:nvSpPr>
+        <p:spPr/>
+        <p:txBody>
+          <a:bodyPr/>
+          <a:lstStyle/>
+          <a:p>
+            <a:endParaRPr lang="en-US" dirty="0"/>
+          </a:p>
+        </p:txBody>
+      </p:sp>
+      <p:sp>
+        <p:nvSpPr>
+          <p:cNvPr id="4" name="Slide Number Placeholder 3"/>
+          <p:cNvSpPr>
+            <a:spLocks noGrp="1"/>
+          </p:cNvSpPr>
+          <p:nvPr>
+            <p:ph type="sldNum" sz="quarter" idx="10"/>
+          </p:nvPr>
+        </p:nvSpPr>
+        <p:spPr/>
+        <p:txBody>
+          <a:bodyPr/>
+          <a:lstStyle/>
+          <a:p>
+            <a:fld id="{0ED8A9B0-80EF-A34D-B345-E2DEC5501E01}" type="slidenum">
+              <a:rPr lang="en-US" smtClean="0"/>
+              <a:t>5</a:t>
             </a:fld>
             <a:endParaRPr lang="en-US"/>
           </a:p>
@@ -5157,7 +5250,7 @@
           <p:cNvPr id="5" name="Rectangle 4">
             <a:extLst>
               <a:ext uri="{FF2B5EF4-FFF2-40B4-BE49-F238E27FC236}">
-                <a16:creationId xmlns:a16="http://schemas.microsoft.com/office/drawing/2014/main" xmlns="" id="{912A67D6-B06C-BF47-99DD-E1C9022EA819}"/>
+                <a16:creationId xmlns="" xmlns:a16="http://schemas.microsoft.com/office/drawing/2014/main" id="{912A67D6-B06C-BF47-99DD-E1C9022EA819}"/>
               </a:ext>
             </a:extLst>
           </p:cNvPr>
@@ -5209,7 +5302,7 @@
           <p:cNvPr id="6" name="TextBox 5">
             <a:extLst>
               <a:ext uri="{FF2B5EF4-FFF2-40B4-BE49-F238E27FC236}">
-                <a16:creationId xmlns:a16="http://schemas.microsoft.com/office/drawing/2014/main" xmlns="" id="{E460B3D3-56C1-D04E-A5E3-75B695A5ECF7}"/>
+                <a16:creationId xmlns="" xmlns:a16="http://schemas.microsoft.com/office/drawing/2014/main" id="{E460B3D3-56C1-D04E-A5E3-75B695A5ECF7}"/>
               </a:ext>
             </a:extLst>
           </p:cNvPr>
@@ -5304,7 +5397,7 @@
           <p:cNvPr id="3" name="Group 2">
             <a:extLst>
               <a:ext uri="{FF2B5EF4-FFF2-40B4-BE49-F238E27FC236}">
-                <a16:creationId xmlns:a16="http://schemas.microsoft.com/office/drawing/2014/main" xmlns="" id="{5EDA39FD-B206-6547-8A93-35C94B8CD042}"/>
+                <a16:creationId xmlns="" xmlns:a16="http://schemas.microsoft.com/office/drawing/2014/main" id="{5EDA39FD-B206-6547-8A93-35C94B8CD042}"/>
               </a:ext>
             </a:extLst>
           </p:cNvPr>
@@ -5324,7 +5417,7 @@
             <p:cNvPr id="2" name="Rectangle 1">
               <a:extLst>
                 <a:ext uri="{FF2B5EF4-FFF2-40B4-BE49-F238E27FC236}">
-                  <a16:creationId xmlns:a16="http://schemas.microsoft.com/office/drawing/2014/main" xmlns="" id="{F5D098FB-92D3-0E43-9225-F0780BD24D93}"/>
+                  <a16:creationId xmlns="" xmlns:a16="http://schemas.microsoft.com/office/drawing/2014/main" id="{F5D098FB-92D3-0E43-9225-F0780BD24D93}"/>
                 </a:ext>
               </a:extLst>
             </p:cNvPr>
@@ -5376,7 +5469,7 @@
             <p:cNvPr id="11" name="TextBox 10">
               <a:extLst>
                 <a:ext uri="{FF2B5EF4-FFF2-40B4-BE49-F238E27FC236}">
-                  <a16:creationId xmlns:a16="http://schemas.microsoft.com/office/drawing/2014/main" xmlns="" id="{EDB85456-6D02-7D4D-8AAF-CC82DF7636F5}"/>
+                  <a16:creationId xmlns="" xmlns:a16="http://schemas.microsoft.com/office/drawing/2014/main" id="{EDB85456-6D02-7D4D-8AAF-CC82DF7636F5}"/>
                 </a:ext>
               </a:extLst>
             </p:cNvPr>
@@ -5409,27 +5502,8 @@
                   <a:ea typeface="Montserrat Bold" charset="0"/>
                   <a:cs typeface="Montserrat Bold" charset="0"/>
                 </a:rPr>
-                <a:t>My </a:t>
+                <a:t>My Neighborhood</a:t>
               </a:r>
-              <a:r>
-                <a:rPr lang="en-US" sz="1800" b="1" spc="300" dirty="0" smtClean="0">
-                  <a:solidFill>
-                    <a:schemeClr val="bg1"/>
-                  </a:solidFill>
-                  <a:latin typeface="Montserrat Bold" charset="0"/>
-                  <a:ea typeface="Montserrat Bold" charset="0"/>
-                  <a:cs typeface="Montserrat Bold" charset="0"/>
-                </a:rPr>
-                <a:t>Neighborhood</a:t>
-              </a:r>
-              <a:endParaRPr lang="en-US" sz="1800" b="1" spc="300" dirty="0" smtClean="0">
-                <a:solidFill>
-                  <a:schemeClr val="bg1"/>
-                </a:solidFill>
-                <a:latin typeface="Montserrat Bold" charset="0"/>
-                <a:ea typeface="Montserrat Bold" charset="0"/>
-                <a:cs typeface="Montserrat Bold" charset="0"/>
-              </a:endParaRPr>
             </a:p>
             <a:p>
               <a:pPr algn="ctr"/>
@@ -5498,6 +5572,230 @@
 </p:sld>
 </file>
 
+<file path=ppt/slides/slide10.xml><?xml version="1.0" encoding="utf-8"?>
+<p:sld xmlns:a="http://schemas.openxmlformats.org/drawingml/2006/main" xmlns:r="http://schemas.openxmlformats.org/officeDocument/2006/relationships" xmlns:p="http://schemas.openxmlformats.org/presentationml/2006/main">
+  <p:cSld>
+    <p:spTree>
+      <p:nvGrpSpPr>
+        <p:cNvPr id="1" name=""/>
+        <p:cNvGrpSpPr/>
+        <p:nvPr/>
+      </p:nvGrpSpPr>
+      <p:grpSpPr>
+        <a:xfrm>
+          <a:off x="0" y="0"/>
+          <a:ext cx="0" cy="0"/>
+          <a:chOff x="0" y="0"/>
+          <a:chExt cx="0" cy="0"/>
+        </a:xfrm>
+      </p:grpSpPr>
+      <p:sp>
+        <p:nvSpPr>
+          <p:cNvPr id="2" name="Espace réservé du numéro de diapositive 1"/>
+          <p:cNvSpPr>
+            <a:spLocks noGrp="1"/>
+          </p:cNvSpPr>
+          <p:nvPr>
+            <p:ph type="sldNum" sz="quarter" idx="12"/>
+          </p:nvPr>
+        </p:nvSpPr>
+        <p:spPr/>
+        <p:txBody>
+          <a:bodyPr/>
+          <a:lstStyle/>
+          <a:p>
+            <a:fld id="{EBE3AD81-3AD4-9C46-856E-C08CF1183C60}" type="slidenum">
+              <a:rPr lang="en-US" smtClean="0"/>
+              <a:t>10</a:t>
+            </a:fld>
+            <a:endParaRPr lang="en-US"/>
+          </a:p>
+        </p:txBody>
+      </p:sp>
+      <p:sp>
+        <p:nvSpPr>
+          <p:cNvPr id="6" name="ZoneTexte 5"/>
+          <p:cNvSpPr txBox="1"/>
+          <p:nvPr/>
+        </p:nvSpPr>
+        <p:spPr>
+          <a:xfrm>
+            <a:off x="1808868" y="1659625"/>
+            <a:ext cx="13106400" cy="1200329"/>
+          </a:xfrm>
+          <a:prstGeom prst="rect">
+            <a:avLst/>
+          </a:prstGeom>
+          <a:noFill/>
+        </p:spPr>
+        <p:txBody>
+          <a:bodyPr wrap="square" rtlCol="0">
+            <a:spAutoFit/>
+          </a:bodyPr>
+          <a:lstStyle/>
+          <a:p>
+            <a:r>
+              <a:rPr lang="fr-FR" sz="7200" dirty="0" smtClean="0">
+                <a:solidFill>
+                  <a:schemeClr val="tx2"/>
+                </a:solidFill>
+                <a:latin typeface="Baskerville Old Face" panose="02020602080505020303" pitchFamily="18" charset="0"/>
+                <a:ea typeface="Lato" panose="020F0502020204030203" pitchFamily="34" charset="0"/>
+                <a:cs typeface="Lato" panose="020F0502020204030203" pitchFamily="34" charset="0"/>
+              </a:rPr>
+              <a:t>Bilan du projet</a:t>
+            </a:r>
+            <a:endParaRPr lang="fr-FR" sz="7200" dirty="0">
+              <a:solidFill>
+                <a:schemeClr val="tx2"/>
+              </a:solidFill>
+              <a:latin typeface="Baskerville Old Face" panose="02020602080505020303" pitchFamily="18" charset="0"/>
+              <a:ea typeface="Lato" panose="020F0502020204030203" pitchFamily="34" charset="0"/>
+              <a:cs typeface="Lato" panose="020F0502020204030203" pitchFamily="34" charset="0"/>
+            </a:endParaRPr>
+          </a:p>
+        </p:txBody>
+      </p:sp>
+    </p:spTree>
+    <p:extLst>
+      <p:ext uri="{BB962C8B-B14F-4D97-AF65-F5344CB8AC3E}">
+        <p14:creationId xmlns:p14="http://schemas.microsoft.com/office/powerpoint/2010/main" val="3271080846"/>
+      </p:ext>
+    </p:extLst>
+  </p:cSld>
+  <p:clrMapOvr>
+    <a:masterClrMapping/>
+  </p:clrMapOvr>
+  <mc:AlternateContent xmlns:mc="http://schemas.openxmlformats.org/markup-compatibility/2006" xmlns:p14="http://schemas.microsoft.com/office/powerpoint/2010/main">
+    <mc:Choice Requires="p14">
+      <p:transition spd="slow" p14:dur="2000"/>
+    </mc:Choice>
+    <mc:Fallback xmlns="">
+      <p:transition spd="slow"/>
+    </mc:Fallback>
+  </mc:AlternateContent>
+  <p:timing>
+    <p:tnLst>
+      <p:par>
+        <p:cTn id="1" dur="indefinite" restart="never" nodeType="tmRoot"/>
+      </p:par>
+    </p:tnLst>
+  </p:timing>
+</p:sld>
+</file>
+
+<file path=ppt/slides/slide11.xml><?xml version="1.0" encoding="utf-8"?>
+<p:sld xmlns:a="http://schemas.openxmlformats.org/drawingml/2006/main" xmlns:r="http://schemas.openxmlformats.org/officeDocument/2006/relationships" xmlns:p="http://schemas.openxmlformats.org/presentationml/2006/main">
+  <p:cSld>
+    <p:spTree>
+      <p:nvGrpSpPr>
+        <p:cNvPr id="1" name=""/>
+        <p:cNvGrpSpPr/>
+        <p:nvPr/>
+      </p:nvGrpSpPr>
+      <p:grpSpPr>
+        <a:xfrm>
+          <a:off x="0" y="0"/>
+          <a:ext cx="0" cy="0"/>
+          <a:chOff x="0" y="0"/>
+          <a:chExt cx="0" cy="0"/>
+        </a:xfrm>
+      </p:grpSpPr>
+      <p:sp>
+        <p:nvSpPr>
+          <p:cNvPr id="2" name="Espace réservé du numéro de diapositive 1"/>
+          <p:cNvSpPr>
+            <a:spLocks noGrp="1"/>
+          </p:cNvSpPr>
+          <p:nvPr>
+            <p:ph type="sldNum" sz="quarter" idx="12"/>
+          </p:nvPr>
+        </p:nvSpPr>
+        <p:spPr/>
+        <p:txBody>
+          <a:bodyPr/>
+          <a:lstStyle/>
+          <a:p>
+            <a:fld id="{EBE3AD81-3AD4-9C46-856E-C08CF1183C60}" type="slidenum">
+              <a:rPr lang="en-US" smtClean="0"/>
+              <a:t>11</a:t>
+            </a:fld>
+            <a:endParaRPr lang="en-US"/>
+          </a:p>
+        </p:txBody>
+      </p:sp>
+      <p:sp>
+        <p:nvSpPr>
+          <p:cNvPr id="6" name="ZoneTexte 5"/>
+          <p:cNvSpPr txBox="1"/>
+          <p:nvPr/>
+        </p:nvSpPr>
+        <p:spPr>
+          <a:xfrm>
+            <a:off x="1808868" y="1659625"/>
+            <a:ext cx="13106400" cy="1200329"/>
+          </a:xfrm>
+          <a:prstGeom prst="rect">
+            <a:avLst/>
+          </a:prstGeom>
+          <a:noFill/>
+        </p:spPr>
+        <p:txBody>
+          <a:bodyPr wrap="square" rtlCol="0">
+            <a:spAutoFit/>
+          </a:bodyPr>
+          <a:lstStyle/>
+          <a:p>
+            <a:r>
+              <a:rPr lang="fr-FR" sz="7200" dirty="0" smtClean="0">
+                <a:solidFill>
+                  <a:schemeClr val="tx2"/>
+                </a:solidFill>
+                <a:latin typeface="Baskerville Old Face" panose="02020602080505020303" pitchFamily="18" charset="0"/>
+                <a:ea typeface="Lato" panose="020F0502020204030203" pitchFamily="34" charset="0"/>
+                <a:cs typeface="Lato" panose="020F0502020204030203" pitchFamily="34" charset="0"/>
+              </a:rPr>
+              <a:t>Bilan du parcours</a:t>
+            </a:r>
+            <a:endParaRPr lang="fr-FR" sz="7200" dirty="0">
+              <a:solidFill>
+                <a:schemeClr val="tx2"/>
+              </a:solidFill>
+              <a:latin typeface="Baskerville Old Face" panose="02020602080505020303" pitchFamily="18" charset="0"/>
+              <a:ea typeface="Lato" panose="020F0502020204030203" pitchFamily="34" charset="0"/>
+              <a:cs typeface="Lato" panose="020F0502020204030203" pitchFamily="34" charset="0"/>
+            </a:endParaRPr>
+          </a:p>
+        </p:txBody>
+      </p:sp>
+    </p:spTree>
+    <p:extLst>
+      <p:ext uri="{BB962C8B-B14F-4D97-AF65-F5344CB8AC3E}">
+        <p14:creationId xmlns:p14="http://schemas.microsoft.com/office/powerpoint/2010/main" val="40670039"/>
+      </p:ext>
+    </p:extLst>
+  </p:cSld>
+  <p:clrMapOvr>
+    <a:masterClrMapping/>
+  </p:clrMapOvr>
+  <mc:AlternateContent xmlns:mc="http://schemas.openxmlformats.org/markup-compatibility/2006" xmlns:p14="http://schemas.microsoft.com/office/powerpoint/2010/main">
+    <mc:Choice Requires="p14">
+      <p:transition spd="slow" p14:dur="2000"/>
+    </mc:Choice>
+    <mc:Fallback xmlns="">
+      <p:transition spd="slow"/>
+    </mc:Fallback>
+  </mc:AlternateContent>
+  <p:timing>
+    <p:tnLst>
+      <p:par>
+        <p:cTn id="1" dur="indefinite" restart="never" nodeType="tmRoot"/>
+      </p:par>
+    </p:tnLst>
+  </p:timing>
+</p:sld>
+</file>
+
 <file path=ppt/slides/slide2.xml><?xml version="1.0" encoding="utf-8"?>
 <p:sld xmlns:a="http://schemas.openxmlformats.org/drawingml/2006/main" xmlns:r="http://schemas.openxmlformats.org/officeDocument/2006/relationships" xmlns:p="http://schemas.openxmlformats.org/presentationml/2006/main">
   <p:cSld>
@@ -5523,7 +5821,7 @@
         </p:nvSpPr>
         <p:spPr>
           <a:xfrm>
-            <a:off x="1532821" y="3010776"/>
+            <a:off x="1532823" y="3703273"/>
             <a:ext cx="21024404" cy="1384995"/>
           </a:xfrm>
           <a:prstGeom prst="rect">
@@ -5558,7 +5856,6 @@
               <a:rPr lang="fr-FR" sz="2800" dirty="0" smtClean="0"/>
               <a:t> </a:t>
             </a:r>
-            <a:endParaRPr lang="fr-FR" sz="2800" dirty="0" smtClean="0"/>
           </a:p>
         </p:txBody>
       </p:sp>
@@ -5567,7 +5864,7 @@
           <p:cNvPr id="13" name="TextBox 12">
             <a:extLst>
               <a:ext uri="{FF2B5EF4-FFF2-40B4-BE49-F238E27FC236}">
-                <a16:creationId xmlns:a16="http://schemas.microsoft.com/office/drawing/2014/main" xmlns="" id="{185393DB-FF1C-1343-A40A-8569A0CB6297}"/>
+                <a16:creationId xmlns="" xmlns:a16="http://schemas.microsoft.com/office/drawing/2014/main" id="{185393DB-FF1C-1343-A40A-8569A0CB6297}"/>
               </a:ext>
             </a:extLst>
           </p:cNvPr>
@@ -5614,174 +5911,6 @@
       </p:sp>
       <p:sp>
         <p:nvSpPr>
-          <p:cNvPr id="2" name="ZoneTexte 1"/>
-          <p:cNvSpPr txBox="1"/>
-          <p:nvPr/>
-        </p:nvSpPr>
-        <p:spPr>
-          <a:xfrm>
-            <a:off x="1653593" y="6455911"/>
-            <a:ext cx="13106400" cy="1200329"/>
-          </a:xfrm>
-          <a:prstGeom prst="rect">
-            <a:avLst/>
-          </a:prstGeom>
-          <a:noFill/>
-        </p:spPr>
-        <p:txBody>
-          <a:bodyPr wrap="square" rtlCol="0">
-            <a:spAutoFit/>
-          </a:bodyPr>
-          <a:lstStyle/>
-          <a:p>
-            <a:r>
-              <a:rPr lang="fr-FR" sz="7200" dirty="0" smtClean="0">
-                <a:solidFill>
-                  <a:schemeClr val="tx2"/>
-                </a:solidFill>
-                <a:latin typeface="Baskerville Old Face" panose="02020602080505020303" pitchFamily="18" charset="0"/>
-                <a:ea typeface="Lato" panose="020F0502020204030203" pitchFamily="34" charset="0"/>
-                <a:cs typeface="Lato" panose="020F0502020204030203" pitchFamily="34" charset="0"/>
-              </a:rPr>
-              <a:t>Les </a:t>
-            </a:r>
-            <a:r>
-              <a:rPr lang="fr-FR" sz="7200" dirty="0">
-                <a:solidFill>
-                  <a:schemeClr val="tx2"/>
-                </a:solidFill>
-                <a:latin typeface="Baskerville Old Face" panose="02020602080505020303" pitchFamily="18" charset="0"/>
-                <a:ea typeface="Lato" panose="020F0502020204030203" pitchFamily="34" charset="0"/>
-                <a:cs typeface="Lato" panose="020F0502020204030203" pitchFamily="34" charset="0"/>
-              </a:rPr>
-              <a:t>fonctionnalités </a:t>
-            </a:r>
-            <a:r>
-              <a:rPr lang="fr-FR" sz="7200" dirty="0" smtClean="0">
-                <a:solidFill>
-                  <a:schemeClr val="tx2"/>
-                </a:solidFill>
-                <a:latin typeface="Baskerville Old Face" panose="02020602080505020303" pitchFamily="18" charset="0"/>
-                <a:ea typeface="Lato" panose="020F0502020204030203" pitchFamily="34" charset="0"/>
-                <a:cs typeface="Lato" panose="020F0502020204030203" pitchFamily="34" charset="0"/>
-              </a:rPr>
-              <a:t>attendus</a:t>
-            </a:r>
-            <a:endParaRPr lang="fr-FR" sz="7200" dirty="0">
-              <a:solidFill>
-                <a:schemeClr val="tx2"/>
-              </a:solidFill>
-              <a:latin typeface="Baskerville Old Face" panose="02020602080505020303" pitchFamily="18" charset="0"/>
-              <a:ea typeface="Lato" panose="020F0502020204030203" pitchFamily="34" charset="0"/>
-              <a:cs typeface="Lato" panose="020F0502020204030203" pitchFamily="34" charset="0"/>
-            </a:endParaRPr>
-          </a:p>
-        </p:txBody>
-      </p:sp>
-      <p:sp>
-        <p:nvSpPr>
-          <p:cNvPr id="4" name="ZoneTexte 3"/>
-          <p:cNvSpPr txBox="1"/>
-          <p:nvPr/>
-        </p:nvSpPr>
-        <p:spPr>
-          <a:xfrm>
-            <a:off x="1621678" y="8287998"/>
-            <a:ext cx="20846691" cy="2677656"/>
-          </a:xfrm>
-          <a:prstGeom prst="rect">
-            <a:avLst/>
-          </a:prstGeom>
-          <a:noFill/>
-        </p:spPr>
-        <p:txBody>
-          <a:bodyPr wrap="square" rtlCol="0">
-            <a:spAutoFit/>
-          </a:bodyPr>
-          <a:lstStyle/>
-          <a:p>
-            <a:pPr indent="-571500">
-              <a:buFont typeface="Wingdings" panose="05000000000000000000" pitchFamily="2" charset="2"/>
-              <a:buChar char="ü"/>
-            </a:pPr>
-            <a:r>
-              <a:rPr lang="fr-FR" sz="2800" dirty="0" smtClean="0"/>
-              <a:t>Création de compte et identification utilisateur : profil utilisateur ou membre de l’AG (copropriété)</a:t>
-            </a:r>
-            <a:endParaRPr lang="fr-FR" dirty="0">
-              <a:latin typeface="Baskerville Old Face" panose="02020602080505020303" pitchFamily="18" charset="0"/>
-            </a:endParaRPr>
-          </a:p>
-          <a:p>
-            <a:pPr indent="-571500">
-              <a:buFont typeface="Wingdings" panose="05000000000000000000" pitchFamily="2" charset="2"/>
-              <a:buChar char="ü"/>
-            </a:pPr>
-            <a:r>
-              <a:rPr lang="fr-FR" sz="2800" dirty="0" smtClean="0">
-                <a:latin typeface="+mj-lt"/>
-              </a:rPr>
-              <a:t>Accéder à la liste de mes voisins et pouvoir leur envoyer des messages.</a:t>
-            </a:r>
-            <a:endParaRPr lang="fr-FR" dirty="0">
-              <a:latin typeface="+mj-lt"/>
-            </a:endParaRPr>
-          </a:p>
-          <a:p>
-            <a:pPr indent="-571500">
-              <a:buFont typeface="Wingdings" panose="05000000000000000000" pitchFamily="2" charset="2"/>
-              <a:buChar char="ü"/>
-            </a:pPr>
-            <a:r>
-              <a:rPr lang="fr-FR" sz="2800" dirty="0" smtClean="0">
-                <a:latin typeface="+mj-lt"/>
-              </a:rPr>
-              <a:t>Effectuer des demandes de services (garde d’animaux, d’enfants, de surveillance en cas d’absence…)</a:t>
-            </a:r>
-          </a:p>
-          <a:p>
-            <a:pPr indent="-571500">
-              <a:buFont typeface="Wingdings" panose="05000000000000000000" pitchFamily="2" charset="2"/>
-              <a:buChar char="ü"/>
-            </a:pPr>
-            <a:r>
-              <a:rPr lang="fr-FR" sz="2800" dirty="0" smtClean="0">
-                <a:latin typeface="+mj-lt"/>
-              </a:rPr>
-              <a:t>Effectuer des demande d’emprunts</a:t>
-            </a:r>
-          </a:p>
-          <a:p>
-            <a:pPr indent="-571500">
-              <a:buFont typeface="Wingdings" panose="05000000000000000000" pitchFamily="2" charset="2"/>
-              <a:buChar char="ü"/>
-            </a:pPr>
-            <a:r>
-              <a:rPr lang="fr-FR" sz="2800" dirty="0" smtClean="0">
-                <a:latin typeface="+mj-lt"/>
-              </a:rPr>
-              <a:t>Proposer des achats groupés pour partager des outils en commun (tondeuses à gazon…)</a:t>
-            </a:r>
-          </a:p>
-          <a:p>
-            <a:pPr indent="-571500">
-              <a:buFont typeface="Wingdings" panose="05000000000000000000" pitchFamily="2" charset="2"/>
-              <a:buChar char="ü"/>
-            </a:pPr>
-            <a:r>
-              <a:rPr lang="fr-FR" sz="2800" dirty="0" smtClean="0">
-                <a:latin typeface="+mj-lt"/>
-              </a:rPr>
-              <a:t>Les membres de l’AG doivent pouvoir gérer la communauté de voisins (modification d’adresses, de droits…)</a:t>
-            </a:r>
-            <a:endParaRPr lang="fr-FR" sz="2800" dirty="0" smtClean="0">
-              <a:latin typeface="+mj-lt"/>
-            </a:endParaRPr>
-          </a:p>
-        </p:txBody>
-      </p:sp>
-      <p:sp>
-        <p:nvSpPr>
           <p:cNvPr id="6" name="Espace réservé du numéro de diapositive 1"/>
           <p:cNvSpPr>
             <a:spLocks noGrp="1"/>
@@ -5816,8 +5945,8 @@
         </p:nvSpPr>
         <p:spPr>
           <a:xfrm>
-            <a:off x="1653593" y="4536553"/>
-            <a:ext cx="19961525" cy="1815882"/>
+            <a:off x="1532823" y="6352435"/>
+            <a:ext cx="19961525" cy="2246769"/>
           </a:xfrm>
           <a:prstGeom prst="rect">
             <a:avLst/>
@@ -5836,7 +5965,17 @@
             </a:r>
             <a:r>
               <a:rPr lang="fr-FR" sz="2800" dirty="0" smtClean="0"/>
-              <a:t>. Malgré </a:t>
+              <a:t>. </a:t>
+            </a:r>
+            <a:endParaRPr lang="fr-FR" sz="2800" dirty="0" smtClean="0"/>
+          </a:p>
+          <a:p>
+            <a:endParaRPr lang="fr-FR" sz="2800" dirty="0"/>
+          </a:p>
+          <a:p>
+            <a:r>
+              <a:rPr lang="fr-FR" sz="2800" dirty="0" smtClean="0"/>
+              <a:t>Malgré </a:t>
             </a:r>
             <a:r>
               <a:rPr lang="fr-FR" sz="2800" dirty="0"/>
@@ -5868,7 +6007,7 @@
     </p:spTree>
     <p:extLst>
       <p:ext uri="{BB962C8B-B14F-4D97-AF65-F5344CB8AC3E}">
-        <p14:creationId xmlns:p14="http://schemas.microsoft.com/office/powerpoint/2010/main" val="655005077"/>
+        <p14:creationId xmlns:p14="http://schemas.microsoft.com/office/powerpoint/2010/main" val="3304540819"/>
       </p:ext>
     </p:extLst>
   </p:cSld>
@@ -5902,12 +6041,309 @@
           <a:chExt cx="0" cy="0"/>
         </a:xfrm>
       </p:grpSpPr>
+      <p:sp>
+        <p:nvSpPr>
+          <p:cNvPr id="2" name="ZoneTexte 1"/>
+          <p:cNvSpPr txBox="1"/>
+          <p:nvPr/>
+        </p:nvSpPr>
+        <p:spPr>
+          <a:xfrm>
+            <a:off x="1621678" y="1763141"/>
+            <a:ext cx="13106400" cy="1200329"/>
+          </a:xfrm>
+          <a:prstGeom prst="rect">
+            <a:avLst/>
+          </a:prstGeom>
+          <a:noFill/>
+        </p:spPr>
+        <p:txBody>
+          <a:bodyPr wrap="square" rtlCol="0">
+            <a:spAutoFit/>
+          </a:bodyPr>
+          <a:lstStyle/>
+          <a:p>
+            <a:r>
+              <a:rPr lang="fr-FR" sz="7200" dirty="0" smtClean="0">
+                <a:solidFill>
+                  <a:schemeClr val="tx2"/>
+                </a:solidFill>
+                <a:latin typeface="Baskerville Old Face" panose="02020602080505020303" pitchFamily="18" charset="0"/>
+                <a:ea typeface="Lato" panose="020F0502020204030203" pitchFamily="34" charset="0"/>
+                <a:cs typeface="Lato" panose="020F0502020204030203" pitchFamily="34" charset="0"/>
+              </a:rPr>
+              <a:t>Les </a:t>
+            </a:r>
+            <a:r>
+              <a:rPr lang="fr-FR" sz="7200" dirty="0">
+                <a:solidFill>
+                  <a:schemeClr val="tx2"/>
+                </a:solidFill>
+                <a:latin typeface="Baskerville Old Face" panose="02020602080505020303" pitchFamily="18" charset="0"/>
+                <a:ea typeface="Lato" panose="020F0502020204030203" pitchFamily="34" charset="0"/>
+                <a:cs typeface="Lato" panose="020F0502020204030203" pitchFamily="34" charset="0"/>
+              </a:rPr>
+              <a:t>fonctionnalités </a:t>
+            </a:r>
+            <a:r>
+              <a:rPr lang="fr-FR" sz="7200" dirty="0" smtClean="0">
+                <a:solidFill>
+                  <a:schemeClr val="tx2"/>
+                </a:solidFill>
+                <a:latin typeface="Baskerville Old Face" panose="02020602080505020303" pitchFamily="18" charset="0"/>
+                <a:ea typeface="Lato" panose="020F0502020204030203" pitchFamily="34" charset="0"/>
+                <a:cs typeface="Lato" panose="020F0502020204030203" pitchFamily="34" charset="0"/>
+              </a:rPr>
+              <a:t>attendus</a:t>
+            </a:r>
+            <a:endParaRPr lang="fr-FR" sz="7200" dirty="0">
+              <a:solidFill>
+                <a:schemeClr val="tx2"/>
+              </a:solidFill>
+              <a:latin typeface="Baskerville Old Face" panose="02020602080505020303" pitchFamily="18" charset="0"/>
+              <a:ea typeface="Lato" panose="020F0502020204030203" pitchFamily="34" charset="0"/>
+              <a:cs typeface="Lato" panose="020F0502020204030203" pitchFamily="34" charset="0"/>
+            </a:endParaRPr>
+          </a:p>
+        </p:txBody>
+      </p:sp>
+      <p:sp>
+        <p:nvSpPr>
+          <p:cNvPr id="4" name="ZoneTexte 3"/>
+          <p:cNvSpPr txBox="1"/>
+          <p:nvPr/>
+        </p:nvSpPr>
+        <p:spPr>
+          <a:xfrm>
+            <a:off x="1621678" y="4112813"/>
+            <a:ext cx="20846691" cy="5078313"/>
+          </a:xfrm>
+          <a:prstGeom prst="rect">
+            <a:avLst/>
+          </a:prstGeom>
+          <a:noFill/>
+        </p:spPr>
+        <p:txBody>
+          <a:bodyPr wrap="square" rtlCol="0">
+            <a:spAutoFit/>
+          </a:bodyPr>
+          <a:lstStyle/>
+          <a:p>
+            <a:pPr indent="-571500">
+              <a:buFont typeface="Wingdings" panose="05000000000000000000" pitchFamily="2" charset="2"/>
+              <a:buChar char="ü"/>
+            </a:pPr>
+            <a:r>
+              <a:rPr lang="fr-FR" sz="2800" dirty="0" smtClean="0"/>
+              <a:t>Création de compte et identification utilisateur : profil utilisateur ou membre de l’AG (copropriété</a:t>
+            </a:r>
+            <a:r>
+              <a:rPr lang="fr-FR" sz="2800" dirty="0" smtClean="0"/>
+              <a:t>)</a:t>
+            </a:r>
+          </a:p>
+          <a:p>
+            <a:pPr indent="-571500">
+              <a:buFont typeface="Wingdings" panose="05000000000000000000" pitchFamily="2" charset="2"/>
+              <a:buChar char="ü"/>
+            </a:pPr>
+            <a:endParaRPr lang="fr-FR" dirty="0">
+              <a:latin typeface="Baskerville Old Face" panose="02020602080505020303" pitchFamily="18" charset="0"/>
+            </a:endParaRPr>
+          </a:p>
+          <a:p>
+            <a:pPr indent="-571500">
+              <a:buFont typeface="Wingdings" panose="05000000000000000000" pitchFamily="2" charset="2"/>
+              <a:buChar char="ü"/>
+            </a:pPr>
+            <a:r>
+              <a:rPr lang="fr-FR" sz="2800" dirty="0" smtClean="0">
+                <a:latin typeface="+mj-lt"/>
+              </a:rPr>
+              <a:t>Accéder à la liste de mes voisins et pouvoir leur envoyer des messages</a:t>
+            </a:r>
+            <a:r>
+              <a:rPr lang="fr-FR" sz="2800" dirty="0" smtClean="0">
+                <a:latin typeface="+mj-lt"/>
+              </a:rPr>
+              <a:t>.</a:t>
+            </a:r>
+          </a:p>
+          <a:p>
+            <a:pPr indent="-571500">
+              <a:buFont typeface="Wingdings" panose="05000000000000000000" pitchFamily="2" charset="2"/>
+              <a:buChar char="ü"/>
+            </a:pPr>
+            <a:endParaRPr lang="fr-FR" dirty="0">
+              <a:latin typeface="+mj-lt"/>
+            </a:endParaRPr>
+          </a:p>
+          <a:p>
+            <a:pPr indent="-571500">
+              <a:buFont typeface="Wingdings" panose="05000000000000000000" pitchFamily="2" charset="2"/>
+              <a:buChar char="ü"/>
+            </a:pPr>
+            <a:r>
+              <a:rPr lang="fr-FR" sz="2800" dirty="0" smtClean="0">
+                <a:latin typeface="+mj-lt"/>
+              </a:rPr>
+              <a:t>Effectuer des demandes de services (garde d’animaux, d’enfants, de surveillance en cas d’absence</a:t>
+            </a:r>
+            <a:r>
+              <a:rPr lang="fr-FR" sz="2800" dirty="0" smtClean="0">
+                <a:latin typeface="+mj-lt"/>
+              </a:rPr>
+              <a:t>…)</a:t>
+            </a:r>
+          </a:p>
+          <a:p>
+            <a:pPr indent="-571500">
+              <a:buFont typeface="Wingdings" panose="05000000000000000000" pitchFamily="2" charset="2"/>
+              <a:buChar char="ü"/>
+            </a:pPr>
+            <a:endParaRPr lang="fr-FR" sz="2800" dirty="0" smtClean="0">
+              <a:latin typeface="+mj-lt"/>
+            </a:endParaRPr>
+          </a:p>
+          <a:p>
+            <a:pPr indent="-571500">
+              <a:buFont typeface="Wingdings" panose="05000000000000000000" pitchFamily="2" charset="2"/>
+              <a:buChar char="ü"/>
+            </a:pPr>
+            <a:r>
+              <a:rPr lang="fr-FR" sz="2800" dirty="0" smtClean="0">
+                <a:latin typeface="+mj-lt"/>
+              </a:rPr>
+              <a:t>Effectuer des demande </a:t>
+            </a:r>
+            <a:r>
+              <a:rPr lang="fr-FR" sz="2800" dirty="0" smtClean="0">
+                <a:latin typeface="+mj-lt"/>
+              </a:rPr>
+              <a:t>d’emprunts</a:t>
+            </a:r>
+          </a:p>
+          <a:p>
+            <a:pPr indent="-571500">
+              <a:buFont typeface="Wingdings" panose="05000000000000000000" pitchFamily="2" charset="2"/>
+              <a:buChar char="ü"/>
+            </a:pPr>
+            <a:endParaRPr lang="fr-FR" sz="2800" dirty="0" smtClean="0">
+              <a:latin typeface="+mj-lt"/>
+            </a:endParaRPr>
+          </a:p>
+          <a:p>
+            <a:pPr indent="-571500">
+              <a:buFont typeface="Wingdings" panose="05000000000000000000" pitchFamily="2" charset="2"/>
+              <a:buChar char="ü"/>
+            </a:pPr>
+            <a:r>
+              <a:rPr lang="fr-FR" sz="2800" dirty="0" smtClean="0">
+                <a:latin typeface="+mj-lt"/>
+              </a:rPr>
+              <a:t>Proposer des achats groupés pour partager des outils en commun (tondeuses à gazon</a:t>
+            </a:r>
+            <a:r>
+              <a:rPr lang="fr-FR" sz="2800" dirty="0" smtClean="0">
+                <a:latin typeface="+mj-lt"/>
+              </a:rPr>
+              <a:t>…)</a:t>
+            </a:r>
+          </a:p>
+          <a:p>
+            <a:pPr indent="-571500">
+              <a:buFont typeface="Wingdings" panose="05000000000000000000" pitchFamily="2" charset="2"/>
+              <a:buChar char="ü"/>
+            </a:pPr>
+            <a:endParaRPr lang="fr-FR" sz="2800" dirty="0" smtClean="0">
+              <a:latin typeface="+mj-lt"/>
+            </a:endParaRPr>
+          </a:p>
+          <a:p>
+            <a:pPr indent="-571500">
+              <a:buFont typeface="Wingdings" panose="05000000000000000000" pitchFamily="2" charset="2"/>
+              <a:buChar char="ü"/>
+            </a:pPr>
+            <a:r>
+              <a:rPr lang="fr-FR" sz="2800" dirty="0" smtClean="0">
+                <a:latin typeface="+mj-lt"/>
+              </a:rPr>
+              <a:t>Les membres de l’AG doivent pouvoir gérer la communauté de voisins (modification d’adresses, de droits…)</a:t>
+            </a:r>
+          </a:p>
+        </p:txBody>
+      </p:sp>
+      <p:sp>
+        <p:nvSpPr>
+          <p:cNvPr id="6" name="Espace réservé du numéro de diapositive 1"/>
+          <p:cNvSpPr>
+            <a:spLocks noGrp="1"/>
+          </p:cNvSpPr>
+          <p:nvPr>
+            <p:ph type="sldNum" sz="quarter" idx="12"/>
+          </p:nvPr>
+        </p:nvSpPr>
+        <p:spPr>
+          <a:xfrm>
+            <a:off x="22256410" y="12223751"/>
+            <a:ext cx="1218883" cy="730250"/>
+          </a:xfrm>
+        </p:spPr>
+        <p:txBody>
+          <a:bodyPr/>
+          <a:lstStyle/>
+          <a:p>
+            <a:fld id="{EBE3AD81-3AD4-9C46-856E-C08CF1183C60}" type="slidenum">
+              <a:rPr lang="en-US" smtClean="0"/>
+              <a:t>3</a:t>
+            </a:fld>
+            <a:endParaRPr lang="en-US" dirty="0"/>
+          </a:p>
+        </p:txBody>
+      </p:sp>
+    </p:spTree>
+    <p:extLst>
+      <p:ext uri="{BB962C8B-B14F-4D97-AF65-F5344CB8AC3E}">
+        <p14:creationId xmlns:p14="http://schemas.microsoft.com/office/powerpoint/2010/main" val="655005077"/>
+      </p:ext>
+    </p:extLst>
+  </p:cSld>
+  <p:clrMapOvr>
+    <a:masterClrMapping/>
+  </p:clrMapOvr>
+  <p:timing>
+    <p:tnLst>
+      <p:par>
+        <p:cTn id="1" dur="indefinite" restart="never" nodeType="tmRoot"/>
+      </p:par>
+    </p:tnLst>
+  </p:timing>
+</p:sld>
+</file>
+
+<file path=ppt/slides/slide4.xml><?xml version="1.0" encoding="utf-8"?>
+<p:sld xmlns:a="http://schemas.openxmlformats.org/drawingml/2006/main" xmlns:r="http://schemas.openxmlformats.org/officeDocument/2006/relationships" xmlns:p="http://schemas.openxmlformats.org/presentationml/2006/main">
+  <p:cSld>
+    <p:spTree>
+      <p:nvGrpSpPr>
+        <p:cNvPr id="1" name=""/>
+        <p:cNvGrpSpPr/>
+        <p:nvPr/>
+      </p:nvGrpSpPr>
+      <p:grpSpPr>
+        <a:xfrm>
+          <a:off x="0" y="0"/>
+          <a:ext cx="0" cy="0"/>
+          <a:chOff x="0" y="0"/>
+          <a:chExt cx="0" cy="0"/>
+        </a:xfrm>
+      </p:grpSpPr>
       <p:grpSp>
         <p:nvGrpSpPr>
           <p:cNvPr id="2" name="Group 1">
             <a:extLst>
               <a:ext uri="{FF2B5EF4-FFF2-40B4-BE49-F238E27FC236}">
-                <a16:creationId xmlns:a16="http://schemas.microsoft.com/office/drawing/2014/main" xmlns="" id="{EC5E84A3-6CA5-5040-BD4D-2B22C79374EE}"/>
+                <a16:creationId xmlns="" xmlns:a16="http://schemas.microsoft.com/office/drawing/2014/main" id="{EC5E84A3-6CA5-5040-BD4D-2B22C79374EE}"/>
               </a:ext>
             </a:extLst>
           </p:cNvPr>
@@ -5927,7 +6363,7 @@
             <p:cNvPr id="10" name="TextBox 9">
               <a:extLst>
                 <a:ext uri="{FF2B5EF4-FFF2-40B4-BE49-F238E27FC236}">
-                  <a16:creationId xmlns:a16="http://schemas.microsoft.com/office/drawing/2014/main" xmlns="" id="{7AA4E6B5-2771-F043-9933-FE66131D6D16}"/>
+                  <a16:creationId xmlns="" xmlns:a16="http://schemas.microsoft.com/office/drawing/2014/main" id="{7AA4E6B5-2771-F043-9933-FE66131D6D16}"/>
                 </a:ext>
               </a:extLst>
             </p:cNvPr>
@@ -5978,7 +6414,7 @@
             <p:cNvPr id="11" name="Rectangle 10">
               <a:extLst>
                 <a:ext uri="{FF2B5EF4-FFF2-40B4-BE49-F238E27FC236}">
-                  <a16:creationId xmlns:a16="http://schemas.microsoft.com/office/drawing/2014/main" xmlns="" id="{A446FEEB-CEE5-F340-8DB0-BDFD806BB234}"/>
+                  <a16:creationId xmlns="" xmlns:a16="http://schemas.microsoft.com/office/drawing/2014/main" id="{A446FEEB-CEE5-F340-8DB0-BDFD806BB234}"/>
                 </a:ext>
               </a:extLst>
             </p:cNvPr>
@@ -6025,7 +6461,7 @@
                   <a:ea typeface="Lato" charset="0"/>
                   <a:cs typeface="Lato" charset="0"/>
                 </a:rPr>
-                <a:t>voicinage</a:t>
+                <a:t>voisinage</a:t>
               </a:r>
               <a:r>
                 <a:rPr lang="en-US" dirty="0" smtClean="0">
@@ -6077,7 +6513,7 @@
           <p:cNvPr id="12" name="Shape 2613">
             <a:extLst>
               <a:ext uri="{FF2B5EF4-FFF2-40B4-BE49-F238E27FC236}">
-                <a16:creationId xmlns:a16="http://schemas.microsoft.com/office/drawing/2014/main" xmlns="" id="{3882CF30-EAC2-6248-B3FD-1579829612AC}"/>
+                <a16:creationId xmlns="" xmlns:a16="http://schemas.microsoft.com/office/drawing/2014/main" id="{3882CF30-EAC2-6248-B3FD-1579829612AC}"/>
               </a:ext>
             </a:extLst>
           </p:cNvPr>
@@ -6604,7 +7040,7 @@
           <a:p>
             <a:fld id="{EBE3AD81-3AD4-9C46-856E-C08CF1183C60}" type="slidenum">
               <a:rPr lang="en-US" smtClean="0"/>
-              <a:t>3</a:t>
+              <a:t>4</a:t>
             </a:fld>
             <a:endParaRPr lang="en-US" dirty="0"/>
           </a:p>
@@ -7194,7 +7630,7 @@
 </p:sld>
 </file>
 
-<file path=ppt/slides/slide4.xml><?xml version="1.0" encoding="utf-8"?>
+<file path=ppt/slides/slide5.xml><?xml version="1.0" encoding="utf-8"?>
 <p:sld xmlns:a="http://schemas.openxmlformats.org/drawingml/2006/main" xmlns:r="http://schemas.openxmlformats.org/officeDocument/2006/relationships" xmlns:p="http://schemas.openxmlformats.org/presentationml/2006/main">
   <p:cSld>
     <p:spTree>
@@ -7216,7 +7652,7 @@
           <p:cNvPr id="14" name="TextBox 13">
             <a:extLst>
               <a:ext uri="{FF2B5EF4-FFF2-40B4-BE49-F238E27FC236}">
-                <a16:creationId xmlns:a16="http://schemas.microsoft.com/office/drawing/2014/main" xmlns="" id="{45D8D54B-D178-984C-A252-D974F7565AEA}"/>
+                <a16:creationId xmlns="" xmlns:a16="http://schemas.microsoft.com/office/drawing/2014/main" id="{45D8D54B-D178-984C-A252-D974F7565AEA}"/>
               </a:ext>
             </a:extLst>
           </p:cNvPr>
@@ -7277,7 +7713,7 @@
           <p:cNvPr id="2" name="Group 1">
             <a:extLst>
               <a:ext uri="{FF2B5EF4-FFF2-40B4-BE49-F238E27FC236}">
-                <a16:creationId xmlns:a16="http://schemas.microsoft.com/office/drawing/2014/main" xmlns="" id="{7F20BDED-B1EA-1B48-9086-13A7DB193B83}"/>
+                <a16:creationId xmlns="" xmlns:a16="http://schemas.microsoft.com/office/drawing/2014/main" id="{7F20BDED-B1EA-1B48-9086-13A7DB193B83}"/>
               </a:ext>
             </a:extLst>
           </p:cNvPr>
@@ -7297,7 +7733,7 @@
             <p:cNvPr id="15" name="Subtitle 2">
               <a:extLst>
                 <a:ext uri="{FF2B5EF4-FFF2-40B4-BE49-F238E27FC236}">
-                  <a16:creationId xmlns:a16="http://schemas.microsoft.com/office/drawing/2014/main" xmlns="" id="{33FF51FA-DAA5-094D-B118-70FE61A0ECA5}"/>
+                  <a16:creationId xmlns="" xmlns:a16="http://schemas.microsoft.com/office/drawing/2014/main" id="{33FF51FA-DAA5-094D-B118-70FE61A0ECA5}"/>
                 </a:ext>
               </a:extLst>
             </p:cNvPr>
@@ -7643,7 +8079,7 @@
             <p:cNvPr id="16" name="TextBox 15">
               <a:extLst>
                 <a:ext uri="{FF2B5EF4-FFF2-40B4-BE49-F238E27FC236}">
-                  <a16:creationId xmlns:a16="http://schemas.microsoft.com/office/drawing/2014/main" xmlns="" id="{A057AC8F-AAE2-2040-918E-2BDDB6A8C723}"/>
+                  <a16:creationId xmlns="" xmlns:a16="http://schemas.microsoft.com/office/drawing/2014/main" id="{A057AC8F-AAE2-2040-918E-2BDDB6A8C723}"/>
                 </a:ext>
               </a:extLst>
             </p:cNvPr>
@@ -7714,7 +8150,7 @@
           <p:cNvPr id="28" name="Group 27">
             <a:extLst>
               <a:ext uri="{FF2B5EF4-FFF2-40B4-BE49-F238E27FC236}">
-                <a16:creationId xmlns:a16="http://schemas.microsoft.com/office/drawing/2014/main" xmlns="" id="{940DE3D8-A8C5-CE49-946E-8F96459E9565}"/>
+                <a16:creationId xmlns="" xmlns:a16="http://schemas.microsoft.com/office/drawing/2014/main" id="{940DE3D8-A8C5-CE49-946E-8F96459E9565}"/>
               </a:ext>
             </a:extLst>
           </p:cNvPr>
@@ -7734,7 +8170,7 @@
             <p:cNvPr id="29" name="Subtitle 2">
               <a:extLst>
                 <a:ext uri="{FF2B5EF4-FFF2-40B4-BE49-F238E27FC236}">
-                  <a16:creationId xmlns:a16="http://schemas.microsoft.com/office/drawing/2014/main" xmlns="" id="{79E60E1D-7A1A-1E44-BBBA-B64CB2F6E494}"/>
+                  <a16:creationId xmlns="" xmlns:a16="http://schemas.microsoft.com/office/drawing/2014/main" id="{79E60E1D-7A1A-1E44-BBBA-B64CB2F6E494}"/>
                 </a:ext>
               </a:extLst>
             </p:cNvPr>
@@ -7971,18 +8407,7 @@
                   <a:ea typeface="Lato" charset="0"/>
                   <a:cs typeface="Lato" charset="0"/>
                 </a:rPr>
-                <a:t> </a:t>
-              </a:r>
-              <a:r>
-                <a:rPr lang="en-US" sz="2800" dirty="0" smtClean="0">
-                  <a:solidFill>
-                    <a:schemeClr val="tx1"/>
-                  </a:solidFill>
-                  <a:latin typeface="Baskerville Old Face" panose="02020602080505020303" pitchFamily="18" charset="0"/>
-                  <a:ea typeface="Lato" charset="0"/>
-                  <a:cs typeface="Lato" charset="0"/>
-                </a:rPr>
-                <a:t> 2.3.10</a:t>
+                <a:t>  2.3.10</a:t>
               </a:r>
             </a:p>
             <a:p>
@@ -8531,7 +8956,7 @@
             <p:cNvPr id="30" name="TextBox 29">
               <a:extLst>
                 <a:ext uri="{FF2B5EF4-FFF2-40B4-BE49-F238E27FC236}">
-                  <a16:creationId xmlns:a16="http://schemas.microsoft.com/office/drawing/2014/main" xmlns="" id="{57CE8DAE-81FC-BB40-9D0C-930F4CB8ED12}"/>
+                  <a16:creationId xmlns="" xmlns:a16="http://schemas.microsoft.com/office/drawing/2014/main" id="{57CE8DAE-81FC-BB40-9D0C-930F4CB8ED12}"/>
                 </a:ext>
               </a:extLst>
             </p:cNvPr>
@@ -8616,7 +9041,7 @@
           <p:cNvPr id="10" name="TextBox 15">
             <a:extLst>
               <a:ext uri="{FF2B5EF4-FFF2-40B4-BE49-F238E27FC236}">
-                <a16:creationId xmlns:a16="http://schemas.microsoft.com/office/drawing/2014/main" xmlns="" id="{A057AC8F-AAE2-2040-918E-2BDDB6A8C723}"/>
+                <a16:creationId xmlns="" xmlns:a16="http://schemas.microsoft.com/office/drawing/2014/main" id="{A057AC8F-AAE2-2040-918E-2BDDB6A8C723}"/>
               </a:ext>
             </a:extLst>
           </p:cNvPr>
@@ -8672,7 +9097,7 @@
           <p:cNvPr id="12" name="Subtitle 2">
             <a:extLst>
               <a:ext uri="{FF2B5EF4-FFF2-40B4-BE49-F238E27FC236}">
-                <a16:creationId xmlns:a16="http://schemas.microsoft.com/office/drawing/2014/main" xmlns="" id="{33FF51FA-DAA5-094D-B118-70FE61A0ECA5}"/>
+                <a16:creationId xmlns="" xmlns:a16="http://schemas.microsoft.com/office/drawing/2014/main" id="{33FF51FA-DAA5-094D-B118-70FE61A0ECA5}"/>
               </a:ext>
             </a:extLst>
           </p:cNvPr>
@@ -8895,40 +9320,7 @@
                 <a:ea typeface="Lato" charset="0"/>
                 <a:cs typeface="Lato" charset="0"/>
               </a:rPr>
-              <a:t> </a:t>
-            </a:r>
-            <a:r>
-              <a:rPr lang="fr-FR" sz="2800" dirty="0" smtClean="0">
-                <a:solidFill>
-                  <a:schemeClr val="tx1"/>
-                </a:solidFill>
-                <a:latin typeface="Baskerville Old Face" panose="02020602080505020303" pitchFamily="18" charset="0"/>
-                <a:ea typeface="Lato" charset="0"/>
-                <a:cs typeface="Lato" charset="0"/>
-              </a:rPr>
-              <a:t>: fournis les données </a:t>
-            </a:r>
-            <a:r>
-              <a:rPr lang="fr-FR" sz="2800" dirty="0" smtClean="0">
-                <a:solidFill>
-                  <a:schemeClr val="tx1"/>
-                </a:solidFill>
-                <a:latin typeface="Baskerville Old Face" panose="02020602080505020303" pitchFamily="18" charset="0"/>
-                <a:ea typeface="Lato" charset="0"/>
-                <a:cs typeface="Lato" charset="0"/>
-              </a:rPr>
-              <a:t>utilisateurs aux </a:t>
-            </a:r>
-            <a:r>
-              <a:rPr lang="fr-FR" sz="2800" dirty="0" smtClean="0">
-                <a:solidFill>
-                  <a:schemeClr val="tx1"/>
-                </a:solidFill>
-                <a:latin typeface="Baskerville Old Face" panose="02020602080505020303" pitchFamily="18" charset="0"/>
-                <a:ea typeface="Lato" charset="0"/>
-                <a:cs typeface="Lato" charset="0"/>
-              </a:rPr>
-              <a:t>applications.</a:t>
+              <a:t> : fournis les données utilisateurs aux applications.</a:t>
             </a:r>
           </a:p>
           <a:p>
@@ -8953,27 +9345,8 @@
                 <a:ea typeface="Lato" charset="0"/>
                 <a:cs typeface="Lato" charset="0"/>
               </a:rPr>
-              <a:t>Ms-batch : fournis une solution de gestion automatisé des tâches récurrentes (ex : envois </a:t>
-            </a:r>
-            <a:r>
-              <a:rPr lang="fr-FR" sz="2800" dirty="0" smtClean="0">
-                <a:solidFill>
-                  <a:schemeClr val="tx1"/>
-                </a:solidFill>
-                <a:latin typeface="Baskerville Old Face" panose="02020602080505020303" pitchFamily="18" charset="0"/>
-                <a:ea typeface="Lato" charset="0"/>
-                <a:cs typeface="Lato" charset="0"/>
-              </a:rPr>
-              <a:t>d’e-mailing…)  </a:t>
-            </a:r>
-            <a:endParaRPr lang="fr-FR" sz="2800" dirty="0" smtClean="0">
-              <a:solidFill>
-                <a:schemeClr val="tx1"/>
-              </a:solidFill>
-              <a:latin typeface="Baskerville Old Face" panose="02020602080505020303" pitchFamily="18" charset="0"/>
-              <a:ea typeface="Lato" charset="0"/>
-              <a:cs typeface="Lato" charset="0"/>
-            </a:endParaRPr>
+              <a:t>Ms-batch : fournis une solution de gestion automatisé des tâches récurrentes (ex : envois d’e-mailing…)  </a:t>
+            </a:r>
           </a:p>
         </p:txBody>
       </p:sp>
@@ -9005,7 +9378,7 @@
 </p:sld>
 </file>
 
-<file path=ppt/slides/slide5.xml><?xml version="1.0" encoding="utf-8"?>
+<file path=ppt/slides/slide6.xml><?xml version="1.0" encoding="utf-8"?>
 <p:sld xmlns:a="http://schemas.openxmlformats.org/drawingml/2006/main" xmlns:r="http://schemas.openxmlformats.org/officeDocument/2006/relationships" xmlns:p="http://schemas.openxmlformats.org/presentationml/2006/main">
   <p:cSld>
     <p:spTree>
@@ -9039,7 +9412,7 @@
           <a:p>
             <a:fld id="{EBE3AD81-3AD4-9C46-856E-C08CF1183C60}" type="slidenum">
               <a:rPr lang="en-US" smtClean="0"/>
-              <a:t>5</a:t>
+              <a:t>6</a:t>
             </a:fld>
             <a:endParaRPr lang="en-US" dirty="0"/>
           </a:p>
@@ -9799,7 +10172,7 @@
 </p:sld>
 </file>
 
-<file path=ppt/slides/slide6.xml><?xml version="1.0" encoding="utf-8"?>
+<file path=ppt/slides/slide7.xml><?xml version="1.0" encoding="utf-8"?>
 <p:sld xmlns:a="http://schemas.openxmlformats.org/drawingml/2006/main" xmlns:r="http://schemas.openxmlformats.org/officeDocument/2006/relationships" xmlns:p="http://schemas.openxmlformats.org/presentationml/2006/main">
   <p:cSld>
     <p:spTree>
@@ -9833,7 +10206,7 @@
           <a:p>
             <a:fld id="{EBE3AD81-3AD4-9C46-856E-C08CF1183C60}" type="slidenum">
               <a:rPr lang="en-US" smtClean="0"/>
-              <a:t>6</a:t>
+              <a:t>7</a:t>
             </a:fld>
             <a:endParaRPr lang="en-US"/>
           </a:p>
@@ -10009,7 +10382,7 @@
 </p:sld>
 </file>
 
-<file path=ppt/slides/slide7.xml><?xml version="1.0" encoding="utf-8"?>
+<file path=ppt/slides/slide8.xml><?xml version="1.0" encoding="utf-8"?>
 <p:sld xmlns:a="http://schemas.openxmlformats.org/drawingml/2006/main" xmlns:r="http://schemas.openxmlformats.org/officeDocument/2006/relationships" xmlns:p="http://schemas.openxmlformats.org/presentationml/2006/main">
   <p:cSld>
     <p:spTree>
@@ -10043,7 +10416,7 @@
           <a:p>
             <a:fld id="{EBE3AD81-3AD4-9C46-856E-C08CF1183C60}" type="slidenum">
               <a:rPr lang="en-US" smtClean="0"/>
-              <a:t>7</a:t>
+              <a:t>8</a:t>
             </a:fld>
             <a:endParaRPr lang="en-US"/>
           </a:p>
@@ -10191,6 +10564,227 @@
     <p:extLst>
       <p:ext uri="{BB962C8B-B14F-4D97-AF65-F5344CB8AC3E}">
         <p14:creationId xmlns:p14="http://schemas.microsoft.com/office/powerpoint/2010/main" val="163852126"/>
+      </p:ext>
+    </p:extLst>
+  </p:cSld>
+  <p:clrMapOvr>
+    <a:masterClrMapping/>
+  </p:clrMapOvr>
+  <mc:AlternateContent xmlns:mc="http://schemas.openxmlformats.org/markup-compatibility/2006" xmlns:p14="http://schemas.microsoft.com/office/powerpoint/2010/main">
+    <mc:Choice Requires="p14">
+      <p:transition spd="slow" p14:dur="2000"/>
+    </mc:Choice>
+    <mc:Fallback xmlns="">
+      <p:transition spd="slow"/>
+    </mc:Fallback>
+  </mc:AlternateContent>
+  <p:timing>
+    <p:tnLst>
+      <p:par>
+        <p:cTn id="1" dur="indefinite" restart="never" nodeType="tmRoot"/>
+      </p:par>
+    </p:tnLst>
+  </p:timing>
+</p:sld>
+</file>
+
+<file path=ppt/slides/slide9.xml><?xml version="1.0" encoding="utf-8"?>
+<p:sld xmlns:a="http://schemas.openxmlformats.org/drawingml/2006/main" xmlns:r="http://schemas.openxmlformats.org/officeDocument/2006/relationships" xmlns:p="http://schemas.openxmlformats.org/presentationml/2006/main">
+  <p:cSld>
+    <p:spTree>
+      <p:nvGrpSpPr>
+        <p:cNvPr id="1" name=""/>
+        <p:cNvGrpSpPr/>
+        <p:nvPr/>
+      </p:nvGrpSpPr>
+      <p:grpSpPr>
+        <a:xfrm>
+          <a:off x="0" y="0"/>
+          <a:ext cx="0" cy="0"/>
+          <a:chOff x="0" y="0"/>
+          <a:chExt cx="0" cy="0"/>
+        </a:xfrm>
+      </p:grpSpPr>
+      <p:sp>
+        <p:nvSpPr>
+          <p:cNvPr id="2" name="Espace réservé du numéro de diapositive 1"/>
+          <p:cNvSpPr>
+            <a:spLocks noGrp="1"/>
+          </p:cNvSpPr>
+          <p:nvPr>
+            <p:ph type="sldNum" sz="quarter" idx="12"/>
+          </p:nvPr>
+        </p:nvSpPr>
+        <p:spPr/>
+        <p:txBody>
+          <a:bodyPr/>
+          <a:lstStyle/>
+          <a:p>
+            <a:fld id="{EBE3AD81-3AD4-9C46-856E-C08CF1183C60}" type="slidenum">
+              <a:rPr lang="en-US" smtClean="0"/>
+              <a:t>9</a:t>
+            </a:fld>
+            <a:endParaRPr lang="en-US"/>
+          </a:p>
+        </p:txBody>
+      </p:sp>
+      <p:sp>
+        <p:nvSpPr>
+          <p:cNvPr id="6" name="ZoneTexte 5"/>
+          <p:cNvSpPr txBox="1"/>
+          <p:nvPr/>
+        </p:nvSpPr>
+        <p:spPr>
+          <a:xfrm>
+            <a:off x="1808868" y="1659625"/>
+            <a:ext cx="13106400" cy="1200329"/>
+          </a:xfrm>
+          <a:prstGeom prst="rect">
+            <a:avLst/>
+          </a:prstGeom>
+          <a:noFill/>
+        </p:spPr>
+        <p:txBody>
+          <a:bodyPr wrap="square" rtlCol="0">
+            <a:spAutoFit/>
+          </a:bodyPr>
+          <a:lstStyle/>
+          <a:p>
+            <a:r>
+              <a:rPr lang="fr-FR" sz="7200" dirty="0" smtClean="0">
+                <a:solidFill>
+                  <a:schemeClr val="tx2"/>
+                </a:solidFill>
+                <a:latin typeface="Baskerville Old Face" panose="02020602080505020303" pitchFamily="18" charset="0"/>
+                <a:ea typeface="Lato" panose="020F0502020204030203" pitchFamily="34" charset="0"/>
+                <a:cs typeface="Lato" panose="020F0502020204030203" pitchFamily="34" charset="0"/>
+              </a:rPr>
+              <a:t>Démonstration de l’application</a:t>
+            </a:r>
+            <a:endParaRPr lang="fr-FR" sz="7200" dirty="0">
+              <a:solidFill>
+                <a:schemeClr val="tx2"/>
+              </a:solidFill>
+              <a:latin typeface="Baskerville Old Face" panose="02020602080505020303" pitchFamily="18" charset="0"/>
+              <a:ea typeface="Lato" panose="020F0502020204030203" pitchFamily="34" charset="0"/>
+              <a:cs typeface="Lato" panose="020F0502020204030203" pitchFamily="34" charset="0"/>
+            </a:endParaRPr>
+          </a:p>
+        </p:txBody>
+      </p:sp>
+      <p:sp>
+        <p:nvSpPr>
+          <p:cNvPr id="3" name="ZoneTexte 2"/>
+          <p:cNvSpPr txBox="1"/>
+          <p:nvPr/>
+        </p:nvSpPr>
+        <p:spPr>
+          <a:xfrm>
+            <a:off x="2156604" y="3381555"/>
+            <a:ext cx="20099806" cy="2862322"/>
+          </a:xfrm>
+          <a:prstGeom prst="rect">
+            <a:avLst/>
+          </a:prstGeom>
+          <a:noFill/>
+        </p:spPr>
+        <p:txBody>
+          <a:bodyPr wrap="square" rtlCol="0">
+            <a:spAutoFit/>
+          </a:bodyPr>
+          <a:lstStyle/>
+          <a:p>
+            <a:r>
+              <a:rPr lang="fr-FR" dirty="0" smtClean="0"/>
+              <a:t>-  Gestion de projet : Méthodologie Agile en mode </a:t>
+            </a:r>
+            <a:r>
+              <a:rPr lang="fr-FR" dirty="0" err="1" smtClean="0"/>
+              <a:t>scrum</a:t>
+            </a:r>
+            <a:r>
+              <a:rPr lang="fr-FR" dirty="0" smtClean="0"/>
+              <a:t> – </a:t>
+            </a:r>
+            <a:r>
+              <a:rPr lang="fr-FR" dirty="0" err="1" smtClean="0"/>
+              <a:t>Board</a:t>
+            </a:r>
+            <a:r>
+              <a:rPr lang="fr-FR" dirty="0" smtClean="0"/>
+              <a:t> Kanban </a:t>
+            </a:r>
+            <a:br>
+              <a:rPr lang="fr-FR" dirty="0" smtClean="0"/>
+            </a:br>
+            <a:r>
+              <a:rPr lang="fr-FR" dirty="0" smtClean="0"/>
+              <a:t>-  Gestionnaire de source : </a:t>
+            </a:r>
+            <a:r>
+              <a:rPr lang="fr-FR" dirty="0" err="1" smtClean="0"/>
+              <a:t>Github</a:t>
+            </a:r>
+            <a:endParaRPr lang="fr-FR" dirty="0"/>
+          </a:p>
+          <a:p>
+            <a:pPr marL="571500" indent="-571500">
+              <a:buFontTx/>
+              <a:buChar char="-"/>
+            </a:pPr>
+            <a:r>
+              <a:rPr lang="fr-FR" dirty="0" smtClean="0"/>
+              <a:t>Test Unitaire : </a:t>
+            </a:r>
+            <a:r>
+              <a:rPr lang="fr-FR" dirty="0" err="1" smtClean="0"/>
+              <a:t>JUnit</a:t>
+            </a:r>
+            <a:endParaRPr lang="fr-FR" dirty="0" smtClean="0"/>
+          </a:p>
+          <a:p>
+            <a:pPr marL="571500" indent="-571500">
+              <a:buFontTx/>
+              <a:buChar char="-"/>
+            </a:pPr>
+            <a:r>
+              <a:rPr lang="fr-FR" dirty="0" smtClean="0"/>
+              <a:t>Tests d’intégration : </a:t>
+            </a:r>
+            <a:r>
+              <a:rPr lang="fr-FR" dirty="0" err="1" smtClean="0"/>
+              <a:t>SpringBootTest</a:t>
+            </a:r>
+            <a:r>
+              <a:rPr lang="fr-FR" dirty="0" smtClean="0"/>
+              <a:t> (</a:t>
+            </a:r>
+            <a:r>
+              <a:rPr lang="fr-FR" dirty="0" err="1" smtClean="0"/>
+              <a:t>Spring</a:t>
+            </a:r>
+            <a:r>
+              <a:rPr lang="fr-FR" dirty="0" smtClean="0"/>
+              <a:t> Framework)</a:t>
+            </a:r>
+          </a:p>
+          <a:p>
+            <a:pPr marL="571500" indent="-571500">
+              <a:buFontTx/>
+              <a:buChar char="-"/>
+            </a:pPr>
+            <a:r>
+              <a:rPr lang="fr-FR" dirty="0" smtClean="0"/>
+              <a:t>La démonstration va concerner les modules suivants :</a:t>
+            </a:r>
+            <a:endParaRPr lang="fr-FR" dirty="0"/>
+          </a:p>
+        </p:txBody>
+      </p:sp>
+    </p:spTree>
+    <p:extLst>
+      <p:ext uri="{BB962C8B-B14F-4D97-AF65-F5344CB8AC3E}">
+        <p14:creationId xmlns:p14="http://schemas.microsoft.com/office/powerpoint/2010/main" val="1745691955"/>
       </p:ext>
     </p:extLst>
   </p:cSld>

--- a/doc/OPC12-Présentation.pptx
+++ b/doc/OPC12-Présentation.pptx
@@ -119,7 +119,7 @@
   </p:defaultTextStyle>
   <p:extLst>
     <p:ext uri="{EFAFB233-063F-42B5-8137-9DF3F51BA10A}">
-      <p15:sldGuideLst xmlns="" xmlns:p15="http://schemas.microsoft.com/office/powerpoint/2012/main">
+      <p15:sldGuideLst xmlns:p15="http://schemas.microsoft.com/office/powerpoint/2012/main" xmlns="">
         <p15:guide id="1" orient="horz" pos="8112" userDrawn="1">
           <p15:clr>
             <a:srgbClr val="A4A3A4"/>
@@ -153,7 +153,7 @@
       </p15:sldGuideLst>
     </p:ext>
     <p:ext uri="{2D200454-40CA-4A62-9FC3-DE9A4176ACB9}">
-      <p15:notesGuideLst xmlns="" xmlns:p15="http://schemas.microsoft.com/office/powerpoint/2012/main"/>
+      <p15:notesGuideLst xmlns:p15="http://schemas.microsoft.com/office/powerpoint/2012/main" xmlns=""/>
     </p:ext>
   </p:extLst>
 </p:presentation>
@@ -246,7 +246,7 @@
             <a:fld id="{EFC10EE1-B198-C942-8235-326C972CBB30}" type="datetimeFigureOut">
               <a:rPr lang="en-US" smtClean="0"/>
               <a:pPr/>
-              <a:t>7/16/2021</a:t>
+              <a:t>7/19/2021</a:t>
             </a:fld>
             <a:endParaRPr lang="en-US" dirty="0"/>
           </a:p>
@@ -1269,7 +1269,7 @@
           <a:p>
             <a:fld id="{A0C21A69-CE6F-2440-BAE4-5A4B3040CF2A}" type="datetimeFigureOut">
               <a:rPr lang="en-US" smtClean="0"/>
-              <a:t>7/16/2021</a:t>
+              <a:t>7/19/2021</a:t>
             </a:fld>
             <a:endParaRPr lang="en-US"/>
           </a:p>
@@ -1455,7 +1455,7 @@
           <a:p>
             <a:fld id="{A0C21A69-CE6F-2440-BAE4-5A4B3040CF2A}" type="datetimeFigureOut">
               <a:rPr lang="en-US" smtClean="0"/>
-              <a:t>7/16/2021</a:t>
+              <a:t>7/19/2021</a:t>
             </a:fld>
             <a:endParaRPr lang="en-US"/>
           </a:p>
@@ -1641,7 +1641,7 @@
           <a:p>
             <a:fld id="{A0C21A69-CE6F-2440-BAE4-5A4B3040CF2A}" type="datetimeFigureOut">
               <a:rPr lang="en-US" smtClean="0"/>
-              <a:t>7/16/2021</a:t>
+              <a:t>7/19/2021</a:t>
             </a:fld>
             <a:endParaRPr lang="en-US"/>
           </a:p>
@@ -2303,7 +2303,7 @@
           <a:p>
             <a:fld id="{A0C21A69-CE6F-2440-BAE4-5A4B3040CF2A}" type="datetimeFigureOut">
               <a:rPr lang="en-US" smtClean="0"/>
-              <a:t>7/16/2021</a:t>
+              <a:t>7/19/2021</a:t>
             </a:fld>
             <a:endParaRPr lang="en-US"/>
           </a:p>
@@ -2685,7 +2685,7 @@
           <a:p>
             <a:fld id="{A0C21A69-CE6F-2440-BAE4-5A4B3040CF2A}" type="datetimeFigureOut">
               <a:rPr lang="en-US" smtClean="0"/>
-              <a:t>7/16/2021</a:t>
+              <a:t>7/19/2021</a:t>
             </a:fld>
             <a:endParaRPr lang="en-US"/>
           </a:p>
@@ -2955,7 +2955,7 @@
           <a:p>
             <a:fld id="{A0C21A69-CE6F-2440-BAE4-5A4B3040CF2A}" type="datetimeFigureOut">
               <a:rPr lang="en-US" smtClean="0"/>
-              <a:t>7/16/2021</a:t>
+              <a:t>7/19/2021</a:t>
             </a:fld>
             <a:endParaRPr lang="en-US"/>
           </a:p>
@@ -3341,7 +3341,7 @@
           <a:p>
             <a:fld id="{A0C21A69-CE6F-2440-BAE4-5A4B3040CF2A}" type="datetimeFigureOut">
               <a:rPr lang="en-US" smtClean="0"/>
-              <a:t>7/16/2021</a:t>
+              <a:t>7/19/2021</a:t>
             </a:fld>
             <a:endParaRPr lang="en-US"/>
           </a:p>
@@ -3463,7 +3463,7 @@
           <a:p>
             <a:fld id="{A0C21A69-CE6F-2440-BAE4-5A4B3040CF2A}" type="datetimeFigureOut">
               <a:rPr lang="en-US" smtClean="0"/>
-              <a:t>7/16/2021</a:t>
+              <a:t>7/19/2021</a:t>
             </a:fld>
             <a:endParaRPr lang="en-US"/>
           </a:p>
@@ -3644,7 +3644,7 @@
           <a:p>
             <a:fld id="{A0C21A69-CE6F-2440-BAE4-5A4B3040CF2A}" type="datetimeFigureOut">
               <a:rPr lang="en-US" smtClean="0"/>
-              <a:t>7/16/2021</a:t>
+              <a:t>7/19/2021</a:t>
             </a:fld>
             <a:endParaRPr lang="en-US"/>
           </a:p>
@@ -3979,7 +3979,7 @@
           <a:p>
             <a:fld id="{A0C21A69-CE6F-2440-BAE4-5A4B3040CF2A}" type="datetimeFigureOut">
               <a:rPr lang="en-US" smtClean="0"/>
-              <a:t>7/16/2021</a:t>
+              <a:t>7/19/2021</a:t>
             </a:fld>
             <a:endParaRPr lang="en-US"/>
           </a:p>
@@ -4349,7 +4349,7 @@
           <a:p>
             <a:fld id="{A0C21A69-CE6F-2440-BAE4-5A4B3040CF2A}" type="datetimeFigureOut">
               <a:rPr lang="en-US" smtClean="0"/>
-              <a:t>7/16/2021</a:t>
+              <a:t>7/19/2021</a:t>
             </a:fld>
             <a:endParaRPr lang="en-US"/>
           </a:p>
@@ -4768,7 +4768,7 @@
           <a:p>
             <a:fld id="{A0C21A69-CE6F-2440-BAE4-5A4B3040CF2A}" type="datetimeFigureOut">
               <a:rPr lang="en-US" smtClean="0"/>
-              <a:t>7/16/2021</a:t>
+              <a:t>7/19/2021</a:t>
             </a:fld>
             <a:endParaRPr lang="en-US"/>
           </a:p>
@@ -5250,7 +5250,7 @@
           <p:cNvPr id="5" name="Rectangle 4">
             <a:extLst>
               <a:ext uri="{FF2B5EF4-FFF2-40B4-BE49-F238E27FC236}">
-                <a16:creationId xmlns="" xmlns:a16="http://schemas.microsoft.com/office/drawing/2014/main" id="{912A67D6-B06C-BF47-99DD-E1C9022EA819}"/>
+                <a16:creationId xmlns:a16="http://schemas.microsoft.com/office/drawing/2014/main" xmlns="" id="{912A67D6-B06C-BF47-99DD-E1C9022EA819}"/>
               </a:ext>
             </a:extLst>
           </p:cNvPr>
@@ -5302,7 +5302,7 @@
           <p:cNvPr id="6" name="TextBox 5">
             <a:extLst>
               <a:ext uri="{FF2B5EF4-FFF2-40B4-BE49-F238E27FC236}">
-                <a16:creationId xmlns="" xmlns:a16="http://schemas.microsoft.com/office/drawing/2014/main" id="{E460B3D3-56C1-D04E-A5E3-75B695A5ECF7}"/>
+                <a16:creationId xmlns:a16="http://schemas.microsoft.com/office/drawing/2014/main" xmlns="" id="{E460B3D3-56C1-D04E-A5E3-75B695A5ECF7}"/>
               </a:ext>
             </a:extLst>
           </p:cNvPr>
@@ -5397,7 +5397,7 @@
           <p:cNvPr id="3" name="Group 2">
             <a:extLst>
               <a:ext uri="{FF2B5EF4-FFF2-40B4-BE49-F238E27FC236}">
-                <a16:creationId xmlns="" xmlns:a16="http://schemas.microsoft.com/office/drawing/2014/main" id="{5EDA39FD-B206-6547-8A93-35C94B8CD042}"/>
+                <a16:creationId xmlns:a16="http://schemas.microsoft.com/office/drawing/2014/main" xmlns="" id="{5EDA39FD-B206-6547-8A93-35C94B8CD042}"/>
               </a:ext>
             </a:extLst>
           </p:cNvPr>
@@ -5417,7 +5417,7 @@
             <p:cNvPr id="2" name="Rectangle 1">
               <a:extLst>
                 <a:ext uri="{FF2B5EF4-FFF2-40B4-BE49-F238E27FC236}">
-                  <a16:creationId xmlns="" xmlns:a16="http://schemas.microsoft.com/office/drawing/2014/main" id="{F5D098FB-92D3-0E43-9225-F0780BD24D93}"/>
+                  <a16:creationId xmlns:a16="http://schemas.microsoft.com/office/drawing/2014/main" xmlns="" id="{F5D098FB-92D3-0E43-9225-F0780BD24D93}"/>
                 </a:ext>
               </a:extLst>
             </p:cNvPr>
@@ -5469,7 +5469,7 @@
             <p:cNvPr id="11" name="TextBox 10">
               <a:extLst>
                 <a:ext uri="{FF2B5EF4-FFF2-40B4-BE49-F238E27FC236}">
-                  <a16:creationId xmlns="" xmlns:a16="http://schemas.microsoft.com/office/drawing/2014/main" id="{EDB85456-6D02-7D4D-8AAF-CC82DF7636F5}"/>
+                  <a16:creationId xmlns:a16="http://schemas.microsoft.com/office/drawing/2014/main" xmlns="" id="{EDB85456-6D02-7D4D-8AAF-CC82DF7636F5}"/>
                 </a:ext>
               </a:extLst>
             </p:cNvPr>
@@ -5656,6 +5656,200 @@
           </a:p>
         </p:txBody>
       </p:sp>
+      <p:sp>
+        <p:nvSpPr>
+          <p:cNvPr id="5" name="ZoneTexte 4"/>
+          <p:cNvSpPr txBox="1"/>
+          <p:nvPr/>
+        </p:nvSpPr>
+        <p:spPr>
+          <a:xfrm>
+            <a:off x="2122098" y="3968150"/>
+            <a:ext cx="20134311" cy="7294305"/>
+          </a:xfrm>
+          <a:prstGeom prst="rect">
+            <a:avLst/>
+          </a:prstGeom>
+          <a:noFill/>
+        </p:spPr>
+        <p:txBody>
+          <a:bodyPr wrap="square" rtlCol="0">
+            <a:spAutoFit/>
+          </a:bodyPr>
+          <a:lstStyle/>
+          <a:p>
+            <a:pPr marL="571500" lvl="1" indent="-571500">
+              <a:buFont typeface="Wingdings" panose="05000000000000000000" pitchFamily="2" charset="2"/>
+              <a:buChar char="Ø"/>
+            </a:pPr>
+            <a:r>
+              <a:rPr lang="fr-FR" dirty="0" smtClean="0"/>
+              <a:t>Mise en pratique de la conception d’une application et du modèle de données</a:t>
+            </a:r>
+          </a:p>
+          <a:p>
+            <a:pPr marL="571500" lvl="1" indent="-571500">
+              <a:buFont typeface="Wingdings" panose="05000000000000000000" pitchFamily="2" charset="2"/>
+              <a:buChar char="Ø"/>
+            </a:pPr>
+            <a:endParaRPr lang="fr-FR" dirty="0" smtClean="0"/>
+          </a:p>
+          <a:p>
+            <a:pPr marL="571500" lvl="1" indent="-571500">
+              <a:buFont typeface="Wingdings" panose="05000000000000000000" pitchFamily="2" charset="2"/>
+              <a:buChar char="Ø"/>
+            </a:pPr>
+            <a:r>
+              <a:rPr lang="fr-FR" dirty="0" smtClean="0"/>
+              <a:t>Méthodologie Agile </a:t>
+            </a:r>
+            <a:r>
+              <a:rPr lang="fr-FR" dirty="0" err="1" smtClean="0"/>
+              <a:t>Scrum</a:t>
+            </a:r>
+            <a:r>
+              <a:rPr lang="fr-FR" dirty="0" smtClean="0"/>
+              <a:t> – Suivi sur </a:t>
+            </a:r>
+            <a:r>
+              <a:rPr lang="fr-FR" dirty="0" err="1" smtClean="0"/>
+              <a:t>board</a:t>
+            </a:r>
+            <a:r>
+              <a:rPr lang="fr-FR" dirty="0" smtClean="0"/>
+              <a:t> Kanban (</a:t>
+            </a:r>
+            <a:r>
+              <a:rPr lang="fr-FR" dirty="0" err="1" smtClean="0"/>
+              <a:t>github</a:t>
+            </a:r>
+            <a:r>
+              <a:rPr lang="fr-FR" dirty="0" smtClean="0"/>
+              <a:t>)</a:t>
+            </a:r>
+          </a:p>
+          <a:p>
+            <a:pPr marL="571500" lvl="1" indent="-571500">
+              <a:buFont typeface="Wingdings" panose="05000000000000000000" pitchFamily="2" charset="2"/>
+              <a:buChar char="Ø"/>
+            </a:pPr>
+            <a:endParaRPr lang="fr-FR" dirty="0" smtClean="0"/>
+          </a:p>
+          <a:p>
+            <a:pPr marL="571500" lvl="1" indent="-571500">
+              <a:buFont typeface="Wingdings" panose="05000000000000000000" pitchFamily="2" charset="2"/>
+              <a:buChar char="Ø"/>
+            </a:pPr>
+            <a:r>
+              <a:rPr lang="fr-FR" dirty="0" smtClean="0"/>
+              <a:t>Utilisation d’un </a:t>
+            </a:r>
+            <a:r>
+              <a:rPr lang="fr-FR" dirty="0" err="1" smtClean="0"/>
+              <a:t>workflow</a:t>
+            </a:r>
+            <a:r>
+              <a:rPr lang="fr-FR" dirty="0" smtClean="0"/>
+              <a:t> git en partie automatisé</a:t>
+            </a:r>
+          </a:p>
+          <a:p>
+            <a:pPr marL="571500" lvl="1" indent="-571500">
+              <a:buFont typeface="Wingdings" panose="05000000000000000000" pitchFamily="2" charset="2"/>
+              <a:buChar char="Ø"/>
+            </a:pPr>
+            <a:endParaRPr lang="fr-FR" dirty="0" smtClean="0"/>
+          </a:p>
+          <a:p>
+            <a:pPr marL="571500" lvl="1" indent="-571500">
+              <a:buFont typeface="Wingdings" panose="05000000000000000000" pitchFamily="2" charset="2"/>
+              <a:buChar char="Ø"/>
+            </a:pPr>
+            <a:r>
+              <a:rPr lang="fr-FR" dirty="0" smtClean="0"/>
+              <a:t>Utilisation de </a:t>
+            </a:r>
+            <a:r>
+              <a:rPr lang="fr-FR" dirty="0" err="1" smtClean="0"/>
+              <a:t>Maven</a:t>
+            </a:r>
+            <a:r>
+              <a:rPr lang="fr-FR" dirty="0" smtClean="0"/>
+              <a:t> pour la gestion de dépendances, d’</a:t>
+            </a:r>
+            <a:r>
+              <a:rPr lang="fr-FR" dirty="0" err="1" smtClean="0"/>
+              <a:t>Hibernate</a:t>
+            </a:r>
+            <a:r>
+              <a:rPr lang="fr-FR" dirty="0" smtClean="0"/>
+              <a:t> pour la persistance de données et du </a:t>
+            </a:r>
+            <a:r>
+              <a:rPr lang="fr-FR" dirty="0" err="1" smtClean="0"/>
+              <a:t>framework</a:t>
+            </a:r>
+            <a:r>
+              <a:rPr lang="fr-FR" dirty="0" smtClean="0"/>
+              <a:t> </a:t>
+            </a:r>
+            <a:r>
+              <a:rPr lang="fr-FR" dirty="0" err="1" smtClean="0"/>
+              <a:t>SpringBoot</a:t>
+            </a:r>
+            <a:r>
+              <a:rPr lang="fr-FR" dirty="0" smtClean="0"/>
+              <a:t> </a:t>
+            </a:r>
+          </a:p>
+          <a:p>
+            <a:pPr marL="571500" lvl="1" indent="-571500">
+              <a:buFont typeface="Wingdings" panose="05000000000000000000" pitchFamily="2" charset="2"/>
+              <a:buChar char="Ø"/>
+            </a:pPr>
+            <a:endParaRPr lang="fr-FR" dirty="0" smtClean="0"/>
+          </a:p>
+          <a:p>
+            <a:pPr marL="571500" lvl="1" indent="-571500">
+              <a:buFont typeface="Wingdings" panose="05000000000000000000" pitchFamily="2" charset="2"/>
+              <a:buChar char="Ø"/>
+            </a:pPr>
+            <a:r>
+              <a:rPr lang="fr-FR" dirty="0" smtClean="0"/>
+              <a:t>Utilisation de fichiers de configuration déportée (</a:t>
+            </a:r>
+            <a:r>
+              <a:rPr lang="fr-FR" dirty="0" err="1" smtClean="0"/>
+              <a:t>cloud</a:t>
+            </a:r>
+            <a:r>
+              <a:rPr lang="fr-FR" dirty="0" smtClean="0"/>
+              <a:t>-config)</a:t>
+            </a:r>
+          </a:p>
+          <a:p>
+            <a:pPr marL="571500" lvl="1" indent="-571500">
+              <a:buFont typeface="Wingdings" panose="05000000000000000000" pitchFamily="2" charset="2"/>
+              <a:buChar char="Ø"/>
+            </a:pPr>
+            <a:endParaRPr lang="fr-FR" dirty="0" smtClean="0"/>
+          </a:p>
+          <a:p>
+            <a:pPr marL="571500" lvl="1" indent="-571500">
+              <a:buFont typeface="Wingdings" panose="05000000000000000000" pitchFamily="2" charset="2"/>
+              <a:buChar char="Ø"/>
+            </a:pPr>
+            <a:r>
+              <a:rPr lang="fr-FR" dirty="0" smtClean="0"/>
+              <a:t>Mise en place d’une stratégie de Tests unitaires et de tests d’intégration.</a:t>
+            </a:r>
+            <a:endParaRPr lang="fr-FR" dirty="0"/>
+          </a:p>
+          <a:p>
+            <a:endParaRPr lang="fr-FR" dirty="0"/>
+          </a:p>
+        </p:txBody>
+      </p:sp>
     </p:spTree>
     <p:extLst>
       <p:ext uri="{BB962C8B-B14F-4D97-AF65-F5344CB8AC3E}">
@@ -5768,6 +5962,142 @@
           </a:p>
         </p:txBody>
       </p:sp>
+      <p:sp>
+        <p:nvSpPr>
+          <p:cNvPr id="3" name="ZoneTexte 2"/>
+          <p:cNvSpPr txBox="1"/>
+          <p:nvPr/>
+        </p:nvSpPr>
+        <p:spPr>
+          <a:xfrm>
+            <a:off x="1808868" y="3036498"/>
+            <a:ext cx="20447542" cy="7848302"/>
+          </a:xfrm>
+          <a:prstGeom prst="rect">
+            <a:avLst/>
+          </a:prstGeom>
+          <a:noFill/>
+        </p:spPr>
+        <p:txBody>
+          <a:bodyPr wrap="square" rtlCol="0">
+            <a:spAutoFit/>
+          </a:bodyPr>
+          <a:lstStyle/>
+          <a:p>
+            <a:r>
+              <a:rPr lang="fr-FR" dirty="0" smtClean="0"/>
+              <a:t>Au cours de ma formation j’ai pu acquérir les outils nécessaires à l’exercice du métier de développeur d’applications.</a:t>
+            </a:r>
+          </a:p>
+          <a:p>
+            <a:endParaRPr lang="fr-FR" dirty="0"/>
+          </a:p>
+          <a:p>
+            <a:pPr marL="571500" indent="-571500">
+              <a:buFont typeface="Wingdings" panose="05000000000000000000" pitchFamily="2" charset="2"/>
+              <a:buChar char="Ø"/>
+            </a:pPr>
+            <a:r>
+              <a:rPr lang="fr-FR" dirty="0" smtClean="0"/>
+              <a:t>Les algorithmes et la Programmation Orienté Objet </a:t>
+            </a:r>
+          </a:p>
+          <a:p>
+            <a:pPr marL="571500" indent="-571500">
+              <a:buFont typeface="Wingdings" panose="05000000000000000000" pitchFamily="2" charset="2"/>
+              <a:buChar char="Ø"/>
+            </a:pPr>
+            <a:endParaRPr lang="fr-FR" dirty="0" smtClean="0"/>
+          </a:p>
+          <a:p>
+            <a:pPr marL="571500" indent="-571500">
+              <a:buFont typeface="Wingdings" panose="05000000000000000000" pitchFamily="2" charset="2"/>
+              <a:buChar char="Ø"/>
+            </a:pPr>
+            <a:r>
+              <a:rPr lang="fr-FR" dirty="0" smtClean="0"/>
+              <a:t>L’analyse et la conception d’application</a:t>
+            </a:r>
+          </a:p>
+          <a:p>
+            <a:pPr marL="571500" indent="-571500">
+              <a:buFont typeface="Wingdings" panose="05000000000000000000" pitchFamily="2" charset="2"/>
+              <a:buChar char="Ø"/>
+            </a:pPr>
+            <a:endParaRPr lang="fr-FR" dirty="0" smtClean="0"/>
+          </a:p>
+          <a:p>
+            <a:pPr marL="571500" indent="-571500">
+              <a:buFont typeface="Wingdings" panose="05000000000000000000" pitchFamily="2" charset="2"/>
+              <a:buChar char="Ø"/>
+            </a:pPr>
+            <a:r>
+              <a:rPr lang="fr-FR" dirty="0" smtClean="0"/>
+              <a:t>La rédaction de documents techniques et fonctionnels </a:t>
+            </a:r>
+          </a:p>
+          <a:p>
+            <a:pPr marL="571500" indent="-571500">
+              <a:buFont typeface="Wingdings" panose="05000000000000000000" pitchFamily="2" charset="2"/>
+              <a:buChar char="Ø"/>
+            </a:pPr>
+            <a:endParaRPr lang="fr-FR" dirty="0" smtClean="0"/>
+          </a:p>
+          <a:p>
+            <a:pPr marL="571500" indent="-571500">
+              <a:buFont typeface="Wingdings" panose="05000000000000000000" pitchFamily="2" charset="2"/>
+              <a:buChar char="Ø"/>
+            </a:pPr>
+            <a:r>
+              <a:rPr lang="fr-FR" dirty="0" smtClean="0"/>
+              <a:t>L’élaboration d’une stratégie de tests de l’application</a:t>
+            </a:r>
+          </a:p>
+          <a:p>
+            <a:pPr marL="571500" indent="-571500">
+              <a:buFont typeface="Wingdings" panose="05000000000000000000" pitchFamily="2" charset="2"/>
+              <a:buChar char="Ø"/>
+            </a:pPr>
+            <a:endParaRPr lang="fr-FR" dirty="0" smtClean="0"/>
+          </a:p>
+          <a:p>
+            <a:pPr marL="571500" indent="-571500">
+              <a:buFont typeface="Wingdings" panose="05000000000000000000" pitchFamily="2" charset="2"/>
+              <a:buChar char="Ø"/>
+            </a:pPr>
+            <a:r>
+              <a:rPr lang="fr-FR" dirty="0" smtClean="0"/>
+              <a:t>L’initiation à l’intégration continue et au contrôle de la qualité de code</a:t>
+            </a:r>
+          </a:p>
+          <a:p>
+            <a:pPr marL="571500" indent="-571500">
+              <a:buFont typeface="Wingdings" panose="05000000000000000000" pitchFamily="2" charset="2"/>
+              <a:buChar char="Ø"/>
+            </a:pPr>
+            <a:endParaRPr lang="fr-FR" dirty="0" smtClean="0"/>
+          </a:p>
+          <a:p>
+            <a:pPr marL="571500" indent="-571500">
+              <a:buFont typeface="Wingdings" panose="05000000000000000000" pitchFamily="2" charset="2"/>
+              <a:buChar char="Ø"/>
+            </a:pPr>
+            <a:r>
+              <a:rPr lang="fr-FR" dirty="0" smtClean="0"/>
+              <a:t>L’élaboration d’un </a:t>
+            </a:r>
+            <a:r>
+              <a:rPr lang="fr-FR" dirty="0" err="1" smtClean="0"/>
+              <a:t>workflow</a:t>
+            </a:r>
+            <a:r>
+              <a:rPr lang="fr-FR" dirty="0" smtClean="0"/>
+              <a:t> de livraison et de suivi </a:t>
+            </a:r>
+            <a:endParaRPr lang="fr-FR" dirty="0"/>
+          </a:p>
+        </p:txBody>
+      </p:sp>
     </p:spTree>
     <p:extLst>
       <p:ext uri="{BB962C8B-B14F-4D97-AF65-F5344CB8AC3E}">
@@ -5864,7 +6194,7 @@
           <p:cNvPr id="13" name="TextBox 12">
             <a:extLst>
               <a:ext uri="{FF2B5EF4-FFF2-40B4-BE49-F238E27FC236}">
-                <a16:creationId xmlns="" xmlns:a16="http://schemas.microsoft.com/office/drawing/2014/main" id="{185393DB-FF1C-1343-A40A-8569A0CB6297}"/>
+                <a16:creationId xmlns:a16="http://schemas.microsoft.com/office/drawing/2014/main" xmlns="" id="{185393DB-FF1C-1343-A40A-8569A0CB6297}"/>
               </a:ext>
             </a:extLst>
           </p:cNvPr>
@@ -5967,7 +6297,6 @@
               <a:rPr lang="fr-FR" sz="2800" dirty="0" smtClean="0"/>
               <a:t>. </a:t>
             </a:r>
-            <a:endParaRPr lang="fr-FR" sz="2800" dirty="0" smtClean="0"/>
           </a:p>
           <a:p>
             <a:endParaRPr lang="fr-FR" sz="2800" dirty="0"/>
@@ -6135,11 +6464,7 @@
             </a:pPr>
             <a:r>
               <a:rPr lang="fr-FR" sz="2800" dirty="0" smtClean="0"/>
-              <a:t>Création de compte et identification utilisateur : profil utilisateur ou membre de l’AG (copropriété</a:t>
-            </a:r>
-            <a:r>
-              <a:rPr lang="fr-FR" sz="2800" dirty="0" smtClean="0"/>
-              <a:t>)</a:t>
+              <a:t>Création de compte et identification utilisateur : profil utilisateur ou membre de l’AG (copropriété)</a:t>
             </a:r>
           </a:p>
           <a:p>
@@ -6160,13 +6485,7 @@
               <a:rPr lang="fr-FR" sz="2800" dirty="0" smtClean="0">
                 <a:latin typeface="+mj-lt"/>
               </a:rPr>
-              <a:t>Accéder à la liste de mes voisins et pouvoir leur envoyer des messages</a:t>
-            </a:r>
-            <a:r>
-              <a:rPr lang="fr-FR" sz="2800" dirty="0" smtClean="0">
-                <a:latin typeface="+mj-lt"/>
-              </a:rPr>
-              <a:t>.</a:t>
+              <a:t>Accéder à la liste de mes voisins et pouvoir leur envoyer des messages.</a:t>
             </a:r>
           </a:p>
           <a:p>
@@ -6187,13 +6506,7 @@
               <a:rPr lang="fr-FR" sz="2800" dirty="0" smtClean="0">
                 <a:latin typeface="+mj-lt"/>
               </a:rPr>
-              <a:t>Effectuer des demandes de services (garde d’animaux, d’enfants, de surveillance en cas d’absence</a:t>
-            </a:r>
-            <a:r>
-              <a:rPr lang="fr-FR" sz="2800" dirty="0" smtClean="0">
-                <a:latin typeface="+mj-lt"/>
-              </a:rPr>
-              <a:t>…)</a:t>
+              <a:t>Effectuer des demandes de services (garde d’animaux, d’enfants, de surveillance en cas d’absence…)</a:t>
             </a:r>
           </a:p>
           <a:p>
@@ -6214,13 +6527,7 @@
               <a:rPr lang="fr-FR" sz="2800" dirty="0" smtClean="0">
                 <a:latin typeface="+mj-lt"/>
               </a:rPr>
-              <a:t>Effectuer des demande </a:t>
-            </a:r>
-            <a:r>
-              <a:rPr lang="fr-FR" sz="2800" dirty="0" smtClean="0">
-                <a:latin typeface="+mj-lt"/>
-              </a:rPr>
-              <a:t>d’emprunts</a:t>
+              <a:t>Effectuer des demande d’emprunts</a:t>
             </a:r>
           </a:p>
           <a:p>
@@ -6241,13 +6548,7 @@
               <a:rPr lang="fr-FR" sz="2800" dirty="0" smtClean="0">
                 <a:latin typeface="+mj-lt"/>
               </a:rPr>
-              <a:t>Proposer des achats groupés pour partager des outils en commun (tondeuses à gazon</a:t>
-            </a:r>
-            <a:r>
-              <a:rPr lang="fr-FR" sz="2800" dirty="0" smtClean="0">
-                <a:latin typeface="+mj-lt"/>
-              </a:rPr>
-              <a:t>…)</a:t>
+              <a:t>Proposer des achats groupés pour partager des outils en commun (tondeuses à gazon…)</a:t>
             </a:r>
           </a:p>
           <a:p>
@@ -6343,7 +6644,7 @@
           <p:cNvPr id="2" name="Group 1">
             <a:extLst>
               <a:ext uri="{FF2B5EF4-FFF2-40B4-BE49-F238E27FC236}">
-                <a16:creationId xmlns="" xmlns:a16="http://schemas.microsoft.com/office/drawing/2014/main" id="{EC5E84A3-6CA5-5040-BD4D-2B22C79374EE}"/>
+                <a16:creationId xmlns:a16="http://schemas.microsoft.com/office/drawing/2014/main" xmlns="" id="{EC5E84A3-6CA5-5040-BD4D-2B22C79374EE}"/>
               </a:ext>
             </a:extLst>
           </p:cNvPr>
@@ -6363,7 +6664,7 @@
             <p:cNvPr id="10" name="TextBox 9">
               <a:extLst>
                 <a:ext uri="{FF2B5EF4-FFF2-40B4-BE49-F238E27FC236}">
-                  <a16:creationId xmlns="" xmlns:a16="http://schemas.microsoft.com/office/drawing/2014/main" id="{7AA4E6B5-2771-F043-9933-FE66131D6D16}"/>
+                  <a16:creationId xmlns:a16="http://schemas.microsoft.com/office/drawing/2014/main" xmlns="" id="{7AA4E6B5-2771-F043-9933-FE66131D6D16}"/>
                 </a:ext>
               </a:extLst>
             </p:cNvPr>
@@ -6414,7 +6715,7 @@
             <p:cNvPr id="11" name="Rectangle 10">
               <a:extLst>
                 <a:ext uri="{FF2B5EF4-FFF2-40B4-BE49-F238E27FC236}">
-                  <a16:creationId xmlns="" xmlns:a16="http://schemas.microsoft.com/office/drawing/2014/main" id="{A446FEEB-CEE5-F340-8DB0-BDFD806BB234}"/>
+                  <a16:creationId xmlns:a16="http://schemas.microsoft.com/office/drawing/2014/main" xmlns="" id="{A446FEEB-CEE5-F340-8DB0-BDFD806BB234}"/>
                 </a:ext>
               </a:extLst>
             </p:cNvPr>
@@ -6472,18 +6773,7 @@
                   <a:ea typeface="Lato" charset="0"/>
                   <a:cs typeface="Lato" charset="0"/>
                 </a:rPr>
-                <a:t> </a:t>
-              </a:r>
-              <a:r>
-                <a:rPr lang="en-US" dirty="0" smtClean="0">
-                  <a:solidFill>
-                    <a:srgbClr val="7F7F7F"/>
-                  </a:solidFill>
-                  <a:latin typeface="Baskerville Old Face" panose="02020602080505020303" pitchFamily="18" charset="0"/>
-                  <a:ea typeface="Lato" charset="0"/>
-                  <a:cs typeface="Lato" charset="0"/>
-                </a:rPr>
-                <a:t>- </a:t>
+                <a:t> - </a:t>
               </a:r>
               <a:r>
                 <a:rPr lang="en-US" dirty="0" err="1" smtClean="0">
@@ -6513,7 +6803,7 @@
           <p:cNvPr id="12" name="Shape 2613">
             <a:extLst>
               <a:ext uri="{FF2B5EF4-FFF2-40B4-BE49-F238E27FC236}">
-                <a16:creationId xmlns="" xmlns:a16="http://schemas.microsoft.com/office/drawing/2014/main" id="{3882CF30-EAC2-6248-B3FD-1579829612AC}"/>
+                <a16:creationId xmlns:a16="http://schemas.microsoft.com/office/drawing/2014/main" xmlns="" id="{3882CF30-EAC2-6248-B3FD-1579829612AC}"/>
               </a:ext>
             </a:extLst>
           </p:cNvPr>
@@ -7652,7 +7942,7 @@
           <p:cNvPr id="14" name="TextBox 13">
             <a:extLst>
               <a:ext uri="{FF2B5EF4-FFF2-40B4-BE49-F238E27FC236}">
-                <a16:creationId xmlns="" xmlns:a16="http://schemas.microsoft.com/office/drawing/2014/main" id="{45D8D54B-D178-984C-A252-D974F7565AEA}"/>
+                <a16:creationId xmlns:a16="http://schemas.microsoft.com/office/drawing/2014/main" xmlns="" id="{45D8D54B-D178-984C-A252-D974F7565AEA}"/>
               </a:ext>
             </a:extLst>
           </p:cNvPr>
@@ -7713,7 +8003,7 @@
           <p:cNvPr id="2" name="Group 1">
             <a:extLst>
               <a:ext uri="{FF2B5EF4-FFF2-40B4-BE49-F238E27FC236}">
-                <a16:creationId xmlns="" xmlns:a16="http://schemas.microsoft.com/office/drawing/2014/main" id="{7F20BDED-B1EA-1B48-9086-13A7DB193B83}"/>
+                <a16:creationId xmlns:a16="http://schemas.microsoft.com/office/drawing/2014/main" xmlns="" id="{7F20BDED-B1EA-1B48-9086-13A7DB193B83}"/>
               </a:ext>
             </a:extLst>
           </p:cNvPr>
@@ -7733,7 +8023,7 @@
             <p:cNvPr id="15" name="Subtitle 2">
               <a:extLst>
                 <a:ext uri="{FF2B5EF4-FFF2-40B4-BE49-F238E27FC236}">
-                  <a16:creationId xmlns="" xmlns:a16="http://schemas.microsoft.com/office/drawing/2014/main" id="{33FF51FA-DAA5-094D-B118-70FE61A0ECA5}"/>
+                  <a16:creationId xmlns:a16="http://schemas.microsoft.com/office/drawing/2014/main" xmlns="" id="{33FF51FA-DAA5-094D-B118-70FE61A0ECA5}"/>
                 </a:ext>
               </a:extLst>
             </p:cNvPr>
@@ -8079,7 +8369,7 @@
             <p:cNvPr id="16" name="TextBox 15">
               <a:extLst>
                 <a:ext uri="{FF2B5EF4-FFF2-40B4-BE49-F238E27FC236}">
-                  <a16:creationId xmlns="" xmlns:a16="http://schemas.microsoft.com/office/drawing/2014/main" id="{A057AC8F-AAE2-2040-918E-2BDDB6A8C723}"/>
+                  <a16:creationId xmlns:a16="http://schemas.microsoft.com/office/drawing/2014/main" xmlns="" id="{A057AC8F-AAE2-2040-918E-2BDDB6A8C723}"/>
                 </a:ext>
               </a:extLst>
             </p:cNvPr>
@@ -8150,7 +8440,7 @@
           <p:cNvPr id="28" name="Group 27">
             <a:extLst>
               <a:ext uri="{FF2B5EF4-FFF2-40B4-BE49-F238E27FC236}">
-                <a16:creationId xmlns="" xmlns:a16="http://schemas.microsoft.com/office/drawing/2014/main" id="{940DE3D8-A8C5-CE49-946E-8F96459E9565}"/>
+                <a16:creationId xmlns:a16="http://schemas.microsoft.com/office/drawing/2014/main" xmlns="" id="{940DE3D8-A8C5-CE49-946E-8F96459E9565}"/>
               </a:ext>
             </a:extLst>
           </p:cNvPr>
@@ -8170,7 +8460,7 @@
             <p:cNvPr id="29" name="Subtitle 2">
               <a:extLst>
                 <a:ext uri="{FF2B5EF4-FFF2-40B4-BE49-F238E27FC236}">
-                  <a16:creationId xmlns="" xmlns:a16="http://schemas.microsoft.com/office/drawing/2014/main" id="{79E60E1D-7A1A-1E44-BBBA-B64CB2F6E494}"/>
+                  <a16:creationId xmlns:a16="http://schemas.microsoft.com/office/drawing/2014/main" xmlns="" id="{79E60E1D-7A1A-1E44-BBBA-B64CB2F6E494}"/>
                 </a:ext>
               </a:extLst>
             </p:cNvPr>
@@ -8956,7 +9246,7 @@
             <p:cNvPr id="30" name="TextBox 29">
               <a:extLst>
                 <a:ext uri="{FF2B5EF4-FFF2-40B4-BE49-F238E27FC236}">
-                  <a16:creationId xmlns="" xmlns:a16="http://schemas.microsoft.com/office/drawing/2014/main" id="{57CE8DAE-81FC-BB40-9D0C-930F4CB8ED12}"/>
+                  <a16:creationId xmlns:a16="http://schemas.microsoft.com/office/drawing/2014/main" xmlns="" id="{57CE8DAE-81FC-BB40-9D0C-930F4CB8ED12}"/>
                 </a:ext>
               </a:extLst>
             </p:cNvPr>
@@ -9041,7 +9331,7 @@
           <p:cNvPr id="10" name="TextBox 15">
             <a:extLst>
               <a:ext uri="{FF2B5EF4-FFF2-40B4-BE49-F238E27FC236}">
-                <a16:creationId xmlns="" xmlns:a16="http://schemas.microsoft.com/office/drawing/2014/main" id="{A057AC8F-AAE2-2040-918E-2BDDB6A8C723}"/>
+                <a16:creationId xmlns:a16="http://schemas.microsoft.com/office/drawing/2014/main" xmlns="" id="{A057AC8F-AAE2-2040-918E-2BDDB6A8C723}"/>
               </a:ext>
             </a:extLst>
           </p:cNvPr>
@@ -9097,7 +9387,7 @@
           <p:cNvPr id="12" name="Subtitle 2">
             <a:extLst>
               <a:ext uri="{FF2B5EF4-FFF2-40B4-BE49-F238E27FC236}">
-                <a16:creationId xmlns="" xmlns:a16="http://schemas.microsoft.com/office/drawing/2014/main" id="{33FF51FA-DAA5-094D-B118-70FE61A0ECA5}"/>
+                <a16:creationId xmlns:a16="http://schemas.microsoft.com/office/drawing/2014/main" xmlns="" id="{33FF51FA-DAA5-094D-B118-70FE61A0ECA5}"/>
               </a:ext>
             </a:extLst>
           </p:cNvPr>
@@ -10681,7 +10971,7 @@
         <p:spPr>
           <a:xfrm>
             <a:off x="2156604" y="3381555"/>
-            <a:ext cx="20099806" cy="2862322"/>
+            <a:ext cx="20099806" cy="7294305"/>
           </a:xfrm>
           <a:prstGeom prst="rect">
             <a:avLst/>
@@ -10775,7 +11065,89 @@
             </a:pPr>
             <a:r>
               <a:rPr lang="fr-FR" dirty="0" smtClean="0"/>
-              <a:t>La démonstration va concerner les modules suivants :</a:t>
+              <a:t>La démonstration va concerner les modules suivants </a:t>
+            </a:r>
+            <a:r>
+              <a:rPr lang="fr-FR" dirty="0" smtClean="0"/>
+              <a:t>:</a:t>
+            </a:r>
+          </a:p>
+          <a:p>
+            <a:pPr marL="571500" indent="-571500">
+              <a:buFontTx/>
+              <a:buChar char="-"/>
+            </a:pPr>
+            <a:endParaRPr lang="fr-FR" dirty="0" smtClean="0"/>
+          </a:p>
+          <a:p>
+            <a:pPr marL="1485717" lvl="1" indent="-571500">
+              <a:buFont typeface="Wingdings" panose="05000000000000000000" pitchFamily="2" charset="2"/>
+              <a:buChar char="Ø"/>
+            </a:pPr>
+            <a:r>
+              <a:rPr lang="fr-FR" dirty="0" smtClean="0"/>
+              <a:t>Module de création de compte et d’identification</a:t>
+            </a:r>
+          </a:p>
+          <a:p>
+            <a:pPr marL="1485717" lvl="1" indent="-571500">
+              <a:buFont typeface="Wingdings" panose="05000000000000000000" pitchFamily="2" charset="2"/>
+              <a:buChar char="Ø"/>
+            </a:pPr>
+            <a:r>
+              <a:rPr lang="fr-FR" dirty="0" smtClean="0"/>
+              <a:t>Module de contact entre voisins</a:t>
+            </a:r>
+          </a:p>
+          <a:p>
+            <a:pPr marL="1485717" lvl="1" indent="-571500">
+              <a:buFont typeface="Wingdings" panose="05000000000000000000" pitchFamily="2" charset="2"/>
+              <a:buChar char="Ø"/>
+            </a:pPr>
+            <a:r>
+              <a:rPr lang="fr-FR" dirty="0" smtClean="0"/>
+              <a:t>Module de demandes de services </a:t>
+            </a:r>
+          </a:p>
+          <a:p>
+            <a:pPr marL="1485717" lvl="1" indent="-571500">
+              <a:buFont typeface="Wingdings" panose="05000000000000000000" pitchFamily="2" charset="2"/>
+              <a:buChar char="Ø"/>
+            </a:pPr>
+            <a:r>
+              <a:rPr lang="fr-FR" dirty="0" smtClean="0"/>
+              <a:t>Module de prêt</a:t>
+            </a:r>
+            <a:endParaRPr lang="fr-FR" dirty="0" smtClean="0"/>
+          </a:p>
+          <a:p>
+            <a:pPr marL="1485717" lvl="1" indent="-571500">
+              <a:buFont typeface="Wingdings" panose="05000000000000000000" pitchFamily="2" charset="2"/>
+              <a:buChar char="Ø"/>
+            </a:pPr>
+            <a:r>
+              <a:rPr lang="fr-FR" dirty="0" smtClean="0"/>
+              <a:t>Module de participation à un achat groupé</a:t>
+            </a:r>
+          </a:p>
+          <a:p>
+            <a:pPr marL="1485717" lvl="1" indent="-571500">
+              <a:buFont typeface="Wingdings" panose="05000000000000000000" pitchFamily="2" charset="2"/>
+              <a:buChar char="Ø"/>
+            </a:pPr>
+            <a:r>
+              <a:rPr lang="fr-FR" dirty="0" smtClean="0"/>
+              <a:t>Module des Utilisateurs</a:t>
+            </a:r>
+          </a:p>
+          <a:p>
+            <a:pPr marL="1485717" lvl="1" indent="-571500">
+              <a:buFont typeface="Wingdings" panose="05000000000000000000" pitchFamily="2" charset="2"/>
+              <a:buChar char="Ø"/>
+            </a:pPr>
+            <a:r>
+              <a:rPr lang="fr-FR" dirty="0" smtClean="0"/>
+              <a:t>Module des Membres de l’AG</a:t>
             </a:r>
             <a:endParaRPr lang="fr-FR" dirty="0"/>
           </a:p>
